--- a/documentation/Presentation.pptx
+++ b/documentation/Presentation.pptx
@@ -5,7 +5,7 @@
     <p:sldMasterId id="2147483648" r:id="rId1"/>
   </p:sldMasterIdLst>
   <p:notesMasterIdLst>
-    <p:notesMasterId r:id="rId25"/>
+    <p:notesMasterId r:id="rId34"/>
   </p:notesMasterIdLst>
   <p:sldIdLst>
     <p:sldId id="3640" r:id="rId2"/>
@@ -28,9 +28,18 @@
     <p:sldId id="3717" r:id="rId19"/>
     <p:sldId id="3719" r:id="rId20"/>
     <p:sldId id="3720" r:id="rId21"/>
-    <p:sldId id="3721" r:id="rId22"/>
-    <p:sldId id="3706" r:id="rId23"/>
-    <p:sldId id="3641" r:id="rId24"/>
+    <p:sldId id="3722" r:id="rId22"/>
+    <p:sldId id="3723" r:id="rId23"/>
+    <p:sldId id="3724" r:id="rId24"/>
+    <p:sldId id="3725" r:id="rId25"/>
+    <p:sldId id="3726" r:id="rId26"/>
+    <p:sldId id="3727" r:id="rId27"/>
+    <p:sldId id="3729" r:id="rId28"/>
+    <p:sldId id="3730" r:id="rId29"/>
+    <p:sldId id="3728" r:id="rId30"/>
+    <p:sldId id="3721" r:id="rId31"/>
+    <p:sldId id="3706" r:id="rId32"/>
+    <p:sldId id="3641" r:id="rId33"/>
   </p:sldIdLst>
   <p:sldSz cx="12192000" cy="6858000"/>
   <p:notesSz cx="6858000" cy="9144000"/>
@@ -242,7 +251,7 @@
           <a:p>
             <a:fld id="{73E9D15D-1C13-CC45-BE09-4D54E9A973B4}" type="datetimeFigureOut">
               <a:rPr lang="en-US" smtClean="0"/>
-              <a:t>4/21/2024</a:t>
+              <a:t>4/25/2024</a:t>
             </a:fld>
             <a:endParaRPr lang="en-US" dirty="0"/>
           </a:p>
@@ -672,7 +681,7 @@
           <a:p>
             <a:fld id="{FD3D9895-3AFC-9E49-BB6B-D5AF81433D95}" type="datetimeFigureOut">
               <a:rPr lang="en-US" smtClean="0"/>
-              <a:t>4/21/2024</a:t>
+              <a:t>4/25/2024</a:t>
             </a:fld>
             <a:endParaRPr lang="en-US" dirty="0"/>
           </a:p>
@@ -833,7 +842,7 @@
           <a:p>
             <a:fld id="{1703F520-AAB7-4D20-958E-A456239933B0}" type="datetimeFigureOut">
               <a:rPr lang="en-US" smtClean="0"/>
-              <a:t>4/21/2024</a:t>
+              <a:t>4/25/2024</a:t>
             </a:fld>
             <a:endParaRPr lang="en-US" dirty="0"/>
           </a:p>
@@ -3952,10 +3961,10 @@
       </p:grpSpPr>
       <p:sp>
         <p:nvSpPr>
-          <p:cNvPr id="3" name="TextBox 2">
-            <a:extLst>
-              <a:ext uri="{FF2B5EF4-FFF2-40B4-BE49-F238E27FC236}">
-                <a16:creationId xmlns:a16="http://schemas.microsoft.com/office/drawing/2014/main" id="{DF2AE4AB-FD20-6CA3-6C46-D14D540F5019}"/>
+          <p:cNvPr id="5" name="TextBox 4">
+            <a:extLst>
+              <a:ext uri="{FF2B5EF4-FFF2-40B4-BE49-F238E27FC236}">
+                <a16:creationId xmlns:a16="http://schemas.microsoft.com/office/drawing/2014/main" id="{7E9E4084-240C-DC61-FBD7-9DC1153D3152}"/>
               </a:ext>
             </a:extLst>
           </p:cNvPr>
@@ -3964,8 +3973,8 @@
         </p:nvSpPr>
         <p:spPr>
           <a:xfrm>
-            <a:off x="445750" y="1113608"/>
-            <a:ext cx="3855662" cy="923330"/>
+            <a:off x="147170" y="129775"/>
+            <a:ext cx="6093228" cy="584775"/>
           </a:xfrm>
           <a:prstGeom prst="rect">
             <a:avLst/>
@@ -3979,39 +3988,24 @@
           <a:lstStyle/>
           <a:p>
             <a:r>
-              <a:rPr lang="en-US" dirty="0">
-                <a:latin typeface="Arial" panose="020B0604020202020204" pitchFamily="34" charset="0"/>
-                <a:cs typeface="Arial" panose="020B0604020202020204" pitchFamily="34" charset="0"/>
-              </a:rPr>
-              <a:t>Test Cases:</a:t>
-            </a:r>
-          </a:p>
-          <a:p>
-            <a:r>
-              <a:rPr lang="en-US" dirty="0">
-                <a:latin typeface="Arial" panose="020B0604020202020204" pitchFamily="34" charset="0"/>
-                <a:cs typeface="Arial" panose="020B0604020202020204" pitchFamily="34" charset="0"/>
-              </a:rPr>
-              <a:t>Outcome graphs:</a:t>
-            </a:r>
-          </a:p>
-          <a:p>
-            <a:r>
-              <a:rPr lang="en-US" dirty="0">
-                <a:latin typeface="Arial" panose="020B0604020202020204" pitchFamily="34" charset="0"/>
-                <a:cs typeface="Arial" panose="020B0604020202020204" pitchFamily="34" charset="0"/>
-              </a:rPr>
-              <a:t>Comparative study</a:t>
+              <a:rPr lang="en-IN" sz="3200" b="1" dirty="0">
+                <a:solidFill>
+                  <a:srgbClr val="46B0FA"/>
+                </a:solidFill>
+                <a:latin typeface="Arial" panose="020B0604020202020204" pitchFamily="34" charset="0"/>
+                <a:cs typeface="Arial" panose="020B0604020202020204" pitchFamily="34" charset="0"/>
+              </a:rPr>
+              <a:t>Results</a:t>
             </a:r>
           </a:p>
         </p:txBody>
       </p:sp>
       <p:sp>
         <p:nvSpPr>
-          <p:cNvPr id="5" name="TextBox 4">
-            <a:extLst>
-              <a:ext uri="{FF2B5EF4-FFF2-40B4-BE49-F238E27FC236}">
-                <a16:creationId xmlns:a16="http://schemas.microsoft.com/office/drawing/2014/main" id="{7E9E4084-240C-DC61-FBD7-9DC1153D3152}"/>
+          <p:cNvPr id="2" name="TextBox 1">
+            <a:extLst>
+              <a:ext uri="{FF2B5EF4-FFF2-40B4-BE49-F238E27FC236}">
+                <a16:creationId xmlns:a16="http://schemas.microsoft.com/office/drawing/2014/main" id="{795CDA9E-4942-0E8C-BF03-D994C2889C90}"/>
               </a:ext>
             </a:extLst>
           </p:cNvPr>
@@ -4020,8 +4014,8 @@
         </p:nvSpPr>
         <p:spPr>
           <a:xfrm>
-            <a:off x="436419" y="422163"/>
-            <a:ext cx="6093228" cy="584775"/>
+            <a:off x="147170" y="690941"/>
+            <a:ext cx="3855662" cy="461665"/>
           </a:xfrm>
           <a:prstGeom prst="rect">
             <a:avLst/>
@@ -4035,18 +4029,45 @@
           <a:lstStyle/>
           <a:p>
             <a:r>
-              <a:rPr lang="en-IN" sz="3200" b="1" dirty="0">
-                <a:solidFill>
-                  <a:srgbClr val="46B0FA"/>
-                </a:solidFill>
-                <a:latin typeface="Arial" panose="020B0604020202020204" pitchFamily="34" charset="0"/>
-                <a:cs typeface="Arial" panose="020B0604020202020204" pitchFamily="34" charset="0"/>
-              </a:rPr>
-              <a:t>Results</a:t>
+              <a:rPr lang="en-US" sz="2400" b="1" dirty="0">
+                <a:latin typeface="Arial" panose="020B0604020202020204" pitchFamily="34" charset="0"/>
+                <a:cs typeface="Arial" panose="020B0604020202020204" pitchFamily="34" charset="0"/>
+              </a:rPr>
+              <a:t>VGG16:</a:t>
             </a:r>
           </a:p>
         </p:txBody>
       </p:sp>
+      <p:pic>
+        <p:nvPicPr>
+          <p:cNvPr id="6" name="Picture 5">
+            <a:extLst>
+              <a:ext uri="{FF2B5EF4-FFF2-40B4-BE49-F238E27FC236}">
+                <a16:creationId xmlns:a16="http://schemas.microsoft.com/office/drawing/2014/main" id="{A8C5EA1C-D4E4-4C9A-145C-89FB77CC0400}"/>
+              </a:ext>
+            </a:extLst>
+          </p:cNvPr>
+          <p:cNvPicPr>
+            <a:picLocks noChangeAspect="1"/>
+          </p:cNvPicPr>
+          <p:nvPr/>
+        </p:nvPicPr>
+        <p:blipFill>
+          <a:blip r:embed="rId2"/>
+          <a:stretch>
+            <a:fillRect/>
+          </a:stretch>
+        </p:blipFill>
+        <p:spPr>
+          <a:xfrm>
+            <a:off x="251927" y="1275716"/>
+            <a:ext cx="9983518" cy="5290548"/>
+          </a:xfrm>
+          <a:prstGeom prst="rect">
+            <a:avLst/>
+          </a:prstGeom>
+        </p:spPr>
+      </p:pic>
     </p:spTree>
     <p:extLst>
       <p:ext uri="{BB962C8B-B14F-4D97-AF65-F5344CB8AC3E}">
@@ -4077,98 +4098,40 @@
           <a:chExt cx="0" cy="0"/>
         </a:xfrm>
       </p:grpSpPr>
-      <p:sp>
-        <p:nvSpPr>
-          <p:cNvPr id="3" name="TextBox 2">
-            <a:extLst>
-              <a:ext uri="{FF2B5EF4-FFF2-40B4-BE49-F238E27FC236}">
-                <a16:creationId xmlns:a16="http://schemas.microsoft.com/office/drawing/2014/main" id="{DF2AE4AB-FD20-6CA3-6C46-D14D540F5019}"/>
-              </a:ext>
-            </a:extLst>
-          </p:cNvPr>
-          <p:cNvSpPr txBox="1"/>
+      <p:pic>
+        <p:nvPicPr>
+          <p:cNvPr id="5" name="Picture 4">
+            <a:extLst>
+              <a:ext uri="{FF2B5EF4-FFF2-40B4-BE49-F238E27FC236}">
+                <a16:creationId xmlns:a16="http://schemas.microsoft.com/office/drawing/2014/main" id="{FA954F5D-EAFF-BBDC-621A-075714C4CDDB}"/>
+              </a:ext>
+            </a:extLst>
+          </p:cNvPr>
+          <p:cNvPicPr>
+            <a:picLocks noChangeAspect="1"/>
+          </p:cNvPicPr>
           <p:nvPr/>
-        </p:nvSpPr>
-        <p:spPr>
-          <a:xfrm>
-            <a:off x="445750" y="1113608"/>
-            <a:ext cx="3855662" cy="646331"/>
-          </a:xfrm>
-          <a:prstGeom prst="rect">
-            <a:avLst/>
-          </a:prstGeom>
-          <a:noFill/>
-        </p:spPr>
-        <p:txBody>
-          <a:bodyPr wrap="square">
-            <a:spAutoFit/>
-          </a:bodyPr>
-          <a:lstStyle/>
-          <a:p>
-            <a:r>
-              <a:rPr lang="en-US" dirty="0">
-                <a:latin typeface="Arial" panose="020B0604020202020204" pitchFamily="34" charset="0"/>
-                <a:cs typeface="Arial" panose="020B0604020202020204" pitchFamily="34" charset="0"/>
-              </a:rPr>
-              <a:t>Justification to objective:</a:t>
-            </a:r>
-          </a:p>
-          <a:p>
-            <a:r>
-              <a:rPr lang="en-US" dirty="0">
-                <a:latin typeface="Arial" panose="020B0604020202020204" pitchFamily="34" charset="0"/>
-                <a:cs typeface="Arial" panose="020B0604020202020204" pitchFamily="34" charset="0"/>
-              </a:rPr>
-              <a:t>Future Scope</a:t>
-            </a:r>
-          </a:p>
-        </p:txBody>
-      </p:sp>
-      <p:sp>
-        <p:nvSpPr>
-          <p:cNvPr id="5" name="TextBox 4">
-            <a:extLst>
-              <a:ext uri="{FF2B5EF4-FFF2-40B4-BE49-F238E27FC236}">
-                <a16:creationId xmlns:a16="http://schemas.microsoft.com/office/drawing/2014/main" id="{7E9E4084-240C-DC61-FBD7-9DC1153D3152}"/>
-              </a:ext>
-            </a:extLst>
-          </p:cNvPr>
-          <p:cNvSpPr txBox="1"/>
-          <p:nvPr/>
-        </p:nvSpPr>
-        <p:spPr>
-          <a:xfrm>
-            <a:off x="436419" y="422163"/>
-            <a:ext cx="6093228" cy="584775"/>
-          </a:xfrm>
-          <a:prstGeom prst="rect">
-            <a:avLst/>
-          </a:prstGeom>
-          <a:noFill/>
-        </p:spPr>
-        <p:txBody>
-          <a:bodyPr wrap="square">
-            <a:spAutoFit/>
-          </a:bodyPr>
-          <a:lstStyle/>
-          <a:p>
-            <a:r>
-              <a:rPr lang="en-IN" sz="3200" b="1" dirty="0">
-                <a:solidFill>
-                  <a:srgbClr val="46B0FA"/>
-                </a:solidFill>
-                <a:latin typeface="Arial" panose="020B0604020202020204" pitchFamily="34" charset="0"/>
-                <a:cs typeface="Arial" panose="020B0604020202020204" pitchFamily="34" charset="0"/>
-              </a:rPr>
-              <a:t>Conclusion</a:t>
-            </a:r>
-          </a:p>
-        </p:txBody>
-      </p:sp>
+        </p:nvPicPr>
+        <p:blipFill>
+          <a:blip r:embed="rId2"/>
+          <a:stretch>
+            <a:fillRect/>
+          </a:stretch>
+        </p:blipFill>
+        <p:spPr>
+          <a:xfrm>
+            <a:off x="222300" y="625151"/>
+            <a:ext cx="10704920" cy="6058330"/>
+          </a:xfrm>
+          <a:prstGeom prst="rect">
+            <a:avLst/>
+          </a:prstGeom>
+        </p:spPr>
+      </p:pic>
     </p:spTree>
     <p:extLst>
       <p:ext uri="{BB962C8B-B14F-4D97-AF65-F5344CB8AC3E}">
-        <p14:creationId xmlns:p14="http://schemas.microsoft.com/office/powerpoint/2010/main" val="2612576980"/>
+        <p14:creationId xmlns:p14="http://schemas.microsoft.com/office/powerpoint/2010/main" val="824072902"/>
       </p:ext>
     </p:extLst>
   </p:cSld>
@@ -4195,426 +4158,69 @@
           <a:chExt cx="0" cy="0"/>
         </a:xfrm>
       </p:grpSpPr>
-      <p:sp>
-        <p:nvSpPr>
-          <p:cNvPr id="2" name="TextBox 1">
-            <a:extLst>
-              <a:ext uri="{FF2B5EF4-FFF2-40B4-BE49-F238E27FC236}">
-                <a16:creationId xmlns:a16="http://schemas.microsoft.com/office/drawing/2014/main" id="{B2EC635B-D8A3-4A72-8304-20FFBA5D21A3}"/>
-              </a:ext>
-            </a:extLst>
-          </p:cNvPr>
-          <p:cNvSpPr txBox="1"/>
+      <p:pic>
+        <p:nvPicPr>
+          <p:cNvPr id="3" name="Picture 2">
+            <a:extLst>
+              <a:ext uri="{FF2B5EF4-FFF2-40B4-BE49-F238E27FC236}">
+                <a16:creationId xmlns:a16="http://schemas.microsoft.com/office/drawing/2014/main" id="{B53CFBE8-7B6B-DAE8-C5E4-0CA0C1666F6B}"/>
+              </a:ext>
+            </a:extLst>
+          </p:cNvPr>
+          <p:cNvPicPr>
+            <a:picLocks noChangeAspect="1"/>
+          </p:cNvPicPr>
           <p:nvPr/>
-        </p:nvSpPr>
-        <p:spPr>
-          <a:xfrm>
-            <a:off x="325927" y="248626"/>
-            <a:ext cx="7530363" cy="584775"/>
-          </a:xfrm>
-          <a:prstGeom prst="rect">
-            <a:avLst/>
-          </a:prstGeom>
-          <a:noFill/>
-        </p:spPr>
-        <p:txBody>
-          <a:bodyPr wrap="square" rtlCol="0">
-            <a:spAutoFit/>
-          </a:bodyPr>
-          <a:lstStyle/>
-          <a:p>
-            <a:r>
-              <a:rPr lang="en-IN" sz="3200" b="1" dirty="0">
-                <a:solidFill>
-                  <a:srgbClr val="46B0FA"/>
-                </a:solidFill>
-                <a:latin typeface="Arial" panose="020B0604020202020204" pitchFamily="34" charset="0"/>
-                <a:cs typeface="Arial" panose="020B0604020202020204" pitchFamily="34" charset="0"/>
-              </a:rPr>
-              <a:t>Reference</a:t>
-            </a:r>
-          </a:p>
-        </p:txBody>
-      </p:sp>
-      <p:sp>
-        <p:nvSpPr>
-          <p:cNvPr id="3" name="TextBox 2">
-            <a:extLst>
-              <a:ext uri="{FF2B5EF4-FFF2-40B4-BE49-F238E27FC236}">
-                <a16:creationId xmlns:a16="http://schemas.microsoft.com/office/drawing/2014/main" id="{66168532-D141-4AB0-BD29-1663F2877B3E}"/>
-              </a:ext>
-            </a:extLst>
-          </p:cNvPr>
-          <p:cNvSpPr txBox="1"/>
+        </p:nvPicPr>
+        <p:blipFill rotWithShape="1">
+          <a:blip r:embed="rId2"/>
+          <a:srcRect r="14131"/>
+          <a:stretch/>
+        </p:blipFill>
+        <p:spPr>
+          <a:xfrm>
+            <a:off x="455697" y="484919"/>
+            <a:ext cx="9928114" cy="2538199"/>
+          </a:xfrm>
+          <a:prstGeom prst="rect">
+            <a:avLst/>
+          </a:prstGeom>
+        </p:spPr>
+      </p:pic>
+      <p:pic>
+        <p:nvPicPr>
+          <p:cNvPr id="5" name="Picture 4">
+            <a:extLst>
+              <a:ext uri="{FF2B5EF4-FFF2-40B4-BE49-F238E27FC236}">
+                <a16:creationId xmlns:a16="http://schemas.microsoft.com/office/drawing/2014/main" id="{CFD4D74D-CA87-F93E-C9E4-67A7510CB3FA}"/>
+              </a:ext>
+            </a:extLst>
+          </p:cNvPr>
+          <p:cNvPicPr>
+            <a:picLocks noChangeAspect="1"/>
+          </p:cNvPicPr>
           <p:nvPr/>
-        </p:nvSpPr>
-        <p:spPr>
-          <a:xfrm>
-            <a:off x="325927" y="986093"/>
-            <a:ext cx="9901002" cy="1138773"/>
-          </a:xfrm>
-          <a:prstGeom prst="rect">
-            <a:avLst/>
-          </a:prstGeom>
-          <a:noFill/>
-        </p:spPr>
-        <p:txBody>
-          <a:bodyPr wrap="square" rtlCol="0">
-            <a:spAutoFit/>
-          </a:bodyPr>
-          <a:lstStyle/>
-          <a:p>
-            <a:r>
-              <a:rPr lang="en-US" sz="2400" dirty="0">
-                <a:solidFill>
-                  <a:srgbClr val="FF0000"/>
-                </a:solidFill>
-                <a:latin typeface="Arial" panose="020B0604020202020204" pitchFamily="34" charset="0"/>
-                <a:cs typeface="Arial" panose="020B0604020202020204" pitchFamily="34" charset="0"/>
-              </a:rPr>
-              <a:t>List of cited papers</a:t>
-            </a:r>
-          </a:p>
-          <a:p>
-            <a:endParaRPr lang="en-US" sz="2400" dirty="0">
-              <a:latin typeface="Arial" panose="020B0604020202020204" pitchFamily="34" charset="0"/>
-              <a:cs typeface="Arial" panose="020B0604020202020204" pitchFamily="34" charset="0"/>
-            </a:endParaRPr>
-          </a:p>
-          <a:p>
-            <a:endParaRPr lang="en-IN" sz="2000" dirty="0">
-              <a:latin typeface="Arial" panose="020B0604020202020204" pitchFamily="34" charset="0"/>
-              <a:cs typeface="Arial" panose="020B0604020202020204" pitchFamily="34" charset="0"/>
-            </a:endParaRPr>
-          </a:p>
-        </p:txBody>
-      </p:sp>
-      <p:sp>
-        <p:nvSpPr>
-          <p:cNvPr id="5" name="TextBox 4">
-            <a:extLst>
-              <a:ext uri="{FF2B5EF4-FFF2-40B4-BE49-F238E27FC236}">
-                <a16:creationId xmlns:a16="http://schemas.microsoft.com/office/drawing/2014/main" id="{29BBE328-515D-7FB3-4863-C98E9D182DCF}"/>
-              </a:ext>
-            </a:extLst>
-          </p:cNvPr>
-          <p:cNvSpPr txBox="1"/>
-          <p:nvPr/>
-        </p:nvSpPr>
-        <p:spPr>
-          <a:xfrm>
-            <a:off x="325927" y="1571955"/>
-            <a:ext cx="11305900" cy="4524315"/>
-          </a:xfrm>
-          <a:prstGeom prst="rect">
-            <a:avLst/>
-          </a:prstGeom>
-          <a:noFill/>
-        </p:spPr>
-        <p:txBody>
-          <a:bodyPr wrap="square">
-            <a:spAutoFit/>
-          </a:bodyPr>
-          <a:lstStyle/>
-          <a:p>
-            <a:pPr marL="0" marR="0" lvl="0" indent="0" algn="l" defTabSz="914400" rtl="0" eaLnBrk="1" fontAlgn="auto" latinLnBrk="0" hangingPunct="1">
-              <a:lnSpc>
-                <a:spcPct val="100000"/>
-              </a:lnSpc>
-              <a:spcBef>
-                <a:spcPts val="0"/>
-              </a:spcBef>
-              <a:spcAft>
-                <a:spcPts val="0"/>
-              </a:spcAft>
-              <a:buClrTx/>
-              <a:buSzTx/>
-              <a:buFontTx/>
-              <a:buNone/>
-              <a:tabLst/>
-              <a:defRPr/>
-            </a:pPr>
-            <a:r>
-              <a:rPr lang="en-US" dirty="0">
-                <a:latin typeface="Arial" panose="020B0604020202020204" pitchFamily="34" charset="0"/>
-                <a:cs typeface="Arial" panose="020B0604020202020204" pitchFamily="34" charset="0"/>
-                <a:hlinkClick r:id="rId2"/>
-              </a:rPr>
-              <a:t>[1]Aslam, S., &amp; Rabie, T. F. (2023, February). Principal Component Analysis in Image Classification: A review. In 2023 Advances in Science and Engineering Technology International Conferences (ASET) (pp. 1-7). </a:t>
-            </a:r>
-            <a:r>
-              <a:rPr lang="en-US">
-                <a:latin typeface="Arial" panose="020B0604020202020204" pitchFamily="34" charset="0"/>
-                <a:cs typeface="Arial" panose="020B0604020202020204" pitchFamily="34" charset="0"/>
-                <a:hlinkClick r:id="rId2"/>
-              </a:rPr>
-              <a:t>IEEE.</a:t>
-            </a:r>
-            <a:endParaRPr lang="en-US" dirty="0">
-              <a:latin typeface="Arial" panose="020B0604020202020204" pitchFamily="34" charset="0"/>
-              <a:cs typeface="Arial" panose="020B0604020202020204" pitchFamily="34" charset="0"/>
-            </a:endParaRPr>
-          </a:p>
-          <a:p>
-            <a:pPr marL="0" marR="0" lvl="0" indent="0" algn="l" defTabSz="914400" rtl="0" eaLnBrk="1" fontAlgn="auto" latinLnBrk="0" hangingPunct="1">
-              <a:lnSpc>
-                <a:spcPct val="100000"/>
-              </a:lnSpc>
-              <a:spcBef>
-                <a:spcPts val="0"/>
-              </a:spcBef>
-              <a:spcAft>
-                <a:spcPts val="0"/>
-              </a:spcAft>
-              <a:buClrTx/>
-              <a:buSzTx/>
-              <a:buFontTx/>
-              <a:buNone/>
-              <a:tabLst/>
-              <a:defRPr/>
-            </a:pPr>
-            <a:endParaRPr kumimoji="0" lang="en-US" b="0" i="0" u="none" strike="noStrike" kern="1200" cap="none" spc="0" normalizeH="0" baseline="0" noProof="0" dirty="0">
-              <a:ln>
-                <a:noFill/>
-              </a:ln>
-              <a:effectLst/>
-              <a:uLnTx/>
-              <a:uFillTx/>
-              <a:latin typeface="Arial" panose="020B0604020202020204" pitchFamily="34" charset="0"/>
-              <a:ea typeface="+mn-ea"/>
-              <a:cs typeface="Arial" panose="020B0604020202020204" pitchFamily="34" charset="0"/>
-            </a:endParaRPr>
-          </a:p>
-          <a:p>
-            <a:pPr>
-              <a:defRPr/>
-            </a:pPr>
-            <a:r>
-              <a:rPr lang="en-US" dirty="0">
-                <a:latin typeface="Arial" panose="020B0604020202020204" pitchFamily="34" charset="0"/>
-                <a:cs typeface="Arial" panose="020B0604020202020204" pitchFamily="34" charset="0"/>
-                <a:hlinkClick r:id="rId3"/>
-              </a:rPr>
-              <a:t>[2] Chitra, P., Srilatha, K., Sumathi, M., </a:t>
-            </a:r>
-            <a:r>
-              <a:rPr lang="en-US" dirty="0" err="1">
-                <a:latin typeface="Arial" panose="020B0604020202020204" pitchFamily="34" charset="0"/>
-                <a:cs typeface="Arial" panose="020B0604020202020204" pitchFamily="34" charset="0"/>
-                <a:hlinkClick r:id="rId3"/>
-              </a:rPr>
-              <a:t>Jayasudha</a:t>
-            </a:r>
-            <a:r>
-              <a:rPr lang="en-US" dirty="0">
-                <a:latin typeface="Arial" panose="020B0604020202020204" pitchFamily="34" charset="0"/>
-                <a:cs typeface="Arial" panose="020B0604020202020204" pitchFamily="34" charset="0"/>
-                <a:hlinkClick r:id="rId3"/>
-              </a:rPr>
-              <a:t>, F. V., </a:t>
-            </a:r>
-            <a:r>
-              <a:rPr lang="en-US" dirty="0" err="1">
-                <a:latin typeface="Arial" panose="020B0604020202020204" pitchFamily="34" charset="0"/>
-                <a:cs typeface="Arial" panose="020B0604020202020204" pitchFamily="34" charset="0"/>
-                <a:hlinkClick r:id="rId3"/>
-              </a:rPr>
-              <a:t>Bernatin</a:t>
-            </a:r>
-            <a:r>
-              <a:rPr lang="en-US" dirty="0">
-                <a:latin typeface="Arial" panose="020B0604020202020204" pitchFamily="34" charset="0"/>
-                <a:cs typeface="Arial" panose="020B0604020202020204" pitchFamily="34" charset="0"/>
-                <a:hlinkClick r:id="rId3"/>
-              </a:rPr>
-              <a:t>, T., &amp; Jagadeesh, M. (2023, March). Classification of Ultrasound PCOS Image using Deep Learning based Hybrid Models. In 2023 Second International Conference on Electronics and Renewable Systems (ICEARS) (pp. 1389-1394). IEEE.</a:t>
-            </a:r>
-            <a:endParaRPr kumimoji="0" lang="en-US" b="0" i="0" u="none" strike="noStrike" kern="1200" cap="none" spc="0" normalizeH="0" baseline="0" noProof="0" dirty="0">
-              <a:ln>
-                <a:noFill/>
-              </a:ln>
-              <a:effectLst/>
-              <a:uLnTx/>
-              <a:uFillTx/>
-              <a:latin typeface="Arial" panose="020B0604020202020204" pitchFamily="34" charset="0"/>
-              <a:ea typeface="+mn-ea"/>
-              <a:cs typeface="Arial" panose="020B0604020202020204" pitchFamily="34" charset="0"/>
-            </a:endParaRPr>
-          </a:p>
-          <a:p>
-            <a:pPr marL="0" marR="0" lvl="0" indent="0" algn="l" defTabSz="914400" rtl="0" eaLnBrk="1" fontAlgn="auto" latinLnBrk="0" hangingPunct="1">
-              <a:lnSpc>
-                <a:spcPct val="100000"/>
-              </a:lnSpc>
-              <a:spcBef>
-                <a:spcPts val="0"/>
-              </a:spcBef>
-              <a:spcAft>
-                <a:spcPts val="0"/>
-              </a:spcAft>
-              <a:buClrTx/>
-              <a:buSzTx/>
-              <a:buFontTx/>
-              <a:buNone/>
-              <a:tabLst/>
-              <a:defRPr/>
-            </a:pPr>
-            <a:endParaRPr kumimoji="0" lang="en-US" b="0" i="0" u="none" strike="noStrike" kern="1200" cap="none" spc="0" normalizeH="0" baseline="0" noProof="0" dirty="0">
-              <a:ln>
-                <a:noFill/>
-              </a:ln>
-              <a:effectLst/>
-              <a:uLnTx/>
-              <a:uFillTx/>
-              <a:latin typeface="Arial" panose="020B0604020202020204" pitchFamily="34" charset="0"/>
-              <a:ea typeface="+mn-ea"/>
-              <a:cs typeface="Arial" panose="020B0604020202020204" pitchFamily="34" charset="0"/>
-            </a:endParaRPr>
-          </a:p>
-          <a:p>
-            <a:pPr>
-              <a:defRPr/>
-            </a:pPr>
-            <a:r>
-              <a:rPr lang="en-US" dirty="0">
-                <a:latin typeface="Arial" panose="020B0604020202020204" pitchFamily="34" charset="0"/>
-                <a:cs typeface="Arial" panose="020B0604020202020204" pitchFamily="34" charset="0"/>
-                <a:hlinkClick r:id="rId4"/>
-              </a:rPr>
-              <a:t>[3] </a:t>
-            </a:r>
-            <a:r>
-              <a:rPr lang="en-US" dirty="0" err="1">
-                <a:latin typeface="Arial" panose="020B0604020202020204" pitchFamily="34" charset="0"/>
-                <a:cs typeface="Arial" panose="020B0604020202020204" pitchFamily="34" charset="0"/>
-                <a:hlinkClick r:id="rId4"/>
-              </a:rPr>
-              <a:t>Suha</a:t>
-            </a:r>
-            <a:r>
-              <a:rPr lang="en-US" dirty="0">
-                <a:latin typeface="Arial" panose="020B0604020202020204" pitchFamily="34" charset="0"/>
-                <a:cs typeface="Arial" panose="020B0604020202020204" pitchFamily="34" charset="0"/>
-                <a:hlinkClick r:id="rId4"/>
-              </a:rPr>
-              <a:t>, S. A., &amp; Islam, M. N. (2022). An extended machine learning technique for polycystic ovary syndrome detection using ovary ultrasound image. Scientific Reports, 12(1), 17123.</a:t>
-            </a:r>
-            <a:endParaRPr lang="en-US" dirty="0">
-              <a:latin typeface="Arial" panose="020B0604020202020204" pitchFamily="34" charset="0"/>
-              <a:cs typeface="Arial" panose="020B0604020202020204" pitchFamily="34" charset="0"/>
-            </a:endParaRPr>
-          </a:p>
-          <a:p>
-            <a:pPr>
-              <a:defRPr/>
-            </a:pPr>
-            <a:endParaRPr lang="en-US" dirty="0">
-              <a:latin typeface="Arial" panose="020B0604020202020204" pitchFamily="34" charset="0"/>
-              <a:cs typeface="Arial" panose="020B0604020202020204" pitchFamily="34" charset="0"/>
-              <a:hlinkClick r:id="rId5"/>
-            </a:endParaRPr>
-          </a:p>
-          <a:p>
-            <a:pPr>
-              <a:defRPr/>
-            </a:pPr>
-            <a:r>
-              <a:rPr lang="en-US" dirty="0">
-                <a:latin typeface="Arial" panose="020B0604020202020204" pitchFamily="34" charset="0"/>
-                <a:cs typeface="Arial" panose="020B0604020202020204" pitchFamily="34" charset="0"/>
-                <a:hlinkClick r:id="rId5"/>
-              </a:rPr>
-              <a:t>[4] Aggarwal, A., Mittal, M., &amp; </a:t>
-            </a:r>
-            <a:r>
-              <a:rPr lang="en-US" dirty="0" err="1">
-                <a:latin typeface="Arial" panose="020B0604020202020204" pitchFamily="34" charset="0"/>
-                <a:cs typeface="Arial" panose="020B0604020202020204" pitchFamily="34" charset="0"/>
-                <a:hlinkClick r:id="rId5"/>
-              </a:rPr>
-              <a:t>Battineni</a:t>
-            </a:r>
-            <a:r>
-              <a:rPr lang="en-US" dirty="0">
-                <a:latin typeface="Arial" panose="020B0604020202020204" pitchFamily="34" charset="0"/>
-                <a:cs typeface="Arial" panose="020B0604020202020204" pitchFamily="34" charset="0"/>
-                <a:hlinkClick r:id="rId5"/>
-              </a:rPr>
-              <a:t>, G. (2021). Generative adversarial network: An overview of theory and applications. International Journal of Information Management Data Insights, 1(1), 100004.</a:t>
-            </a:r>
-            <a:endParaRPr lang="en-US" dirty="0">
-              <a:latin typeface="Arial" panose="020B0604020202020204" pitchFamily="34" charset="0"/>
-              <a:cs typeface="Arial" panose="020B0604020202020204" pitchFamily="34" charset="0"/>
-            </a:endParaRPr>
-          </a:p>
-          <a:p>
-            <a:pPr>
-              <a:defRPr/>
-            </a:pPr>
-            <a:endParaRPr lang="en-US" dirty="0">
-              <a:latin typeface="Arial" panose="020B0604020202020204" pitchFamily="34" charset="0"/>
-              <a:cs typeface="Arial" panose="020B0604020202020204" pitchFamily="34" charset="0"/>
-            </a:endParaRPr>
-          </a:p>
-          <a:p>
-            <a:pPr>
-              <a:defRPr/>
-            </a:pPr>
-            <a:r>
-              <a:rPr lang="en-US" dirty="0">
-                <a:latin typeface="Arial" panose="020B0604020202020204" pitchFamily="34" charset="0"/>
-                <a:cs typeface="Arial" panose="020B0604020202020204" pitchFamily="34" charset="0"/>
-                <a:hlinkClick r:id="rId6"/>
-              </a:rPr>
-              <a:t>[5]</a:t>
-            </a:r>
-            <a:r>
-              <a:rPr lang="en-US" dirty="0">
-                <a:hlinkClick r:id="rId6"/>
-              </a:rPr>
-              <a:t> Sumathi, M., Chitra, P., Prabha, R. S., &amp; Srilatha, K. (2021, February). Study and detection of PCOS related diseases using CNN. In IOP Conference Series: Materials Science and Engineering (Vol. 1070, No. 1, p. 012062). IOP Publishing.</a:t>
-            </a:r>
-            <a:endParaRPr lang="en-US" dirty="0">
-              <a:latin typeface="Arial" panose="020B0604020202020204" pitchFamily="34" charset="0"/>
-              <a:cs typeface="Arial" panose="020B0604020202020204" pitchFamily="34" charset="0"/>
-            </a:endParaRPr>
-          </a:p>
-          <a:p>
-            <a:pPr marL="0" marR="0" lvl="0" indent="0" algn="l" defTabSz="914400" rtl="0" eaLnBrk="1" fontAlgn="auto" latinLnBrk="0" hangingPunct="1">
-              <a:lnSpc>
-                <a:spcPct val="100000"/>
-              </a:lnSpc>
-              <a:spcBef>
-                <a:spcPts val="0"/>
-              </a:spcBef>
-              <a:spcAft>
-                <a:spcPts val="0"/>
-              </a:spcAft>
-              <a:buClrTx/>
-              <a:buSzTx/>
-              <a:buFontTx/>
-              <a:buNone/>
-              <a:tabLst/>
-              <a:defRPr/>
-            </a:pPr>
-            <a:endParaRPr kumimoji="0" lang="en-US" b="0" i="0" u="none" strike="noStrike" kern="1200" cap="none" spc="0" normalizeH="0" baseline="0" noProof="0" dirty="0">
-              <a:ln>
-                <a:noFill/>
-              </a:ln>
-              <a:effectLst/>
-              <a:uLnTx/>
-              <a:uFillTx/>
-              <a:latin typeface="Arial" panose="020B0604020202020204" pitchFamily="34" charset="0"/>
-              <a:ea typeface="+mn-ea"/>
-              <a:cs typeface="Arial" panose="020B0604020202020204" pitchFamily="34" charset="0"/>
-            </a:endParaRPr>
-          </a:p>
-        </p:txBody>
-      </p:sp>
+        </p:nvPicPr>
+        <p:blipFill>
+          <a:blip r:embed="rId3"/>
+          <a:stretch>
+            <a:fillRect/>
+          </a:stretch>
+        </p:blipFill>
+        <p:spPr>
+          <a:xfrm>
+            <a:off x="455697" y="3634273"/>
+            <a:ext cx="9928114" cy="909736"/>
+          </a:xfrm>
+          <a:prstGeom prst="rect">
+            <a:avLst/>
+          </a:prstGeom>
+        </p:spPr>
+      </p:pic>
     </p:spTree>
     <p:extLst>
       <p:ext uri="{BB962C8B-B14F-4D97-AF65-F5344CB8AC3E}">
-        <p14:creationId xmlns:p14="http://schemas.microsoft.com/office/powerpoint/2010/main" val="1359081233"/>
+        <p14:creationId xmlns:p14="http://schemas.microsoft.com/office/powerpoint/2010/main" val="2780316441"/>
       </p:ext>
     </p:extLst>
   </p:cSld>
@@ -4646,7 +4252,7 @@
           <p:cNvPr id="2" name="TextBox 1">
             <a:extLst>
               <a:ext uri="{FF2B5EF4-FFF2-40B4-BE49-F238E27FC236}">
-                <a16:creationId xmlns:a16="http://schemas.microsoft.com/office/drawing/2014/main" id="{C39D82EA-6098-704F-AD4D-D13A499C492D}"/>
+                <a16:creationId xmlns:a16="http://schemas.microsoft.com/office/drawing/2014/main" id="{357DE519-AF13-305A-CE68-F56D16C52109}"/>
               </a:ext>
             </a:extLst>
           </p:cNvPr>
@@ -4655,8 +4261,8 @@
         </p:nvSpPr>
         <p:spPr>
           <a:xfrm>
-            <a:off x="1895294" y="3601496"/>
-            <a:ext cx="8401412" cy="1200329"/>
+            <a:off x="147170" y="229752"/>
+            <a:ext cx="3855662" cy="461665"/>
           </a:xfrm>
           <a:prstGeom prst="rect">
             <a:avLst/>
@@ -4664,90 +4270,27 @@
           <a:noFill/>
         </p:spPr>
         <p:txBody>
-          <a:bodyPr wrap="square" rtlCol="0">
+          <a:bodyPr wrap="square">
             <a:spAutoFit/>
           </a:bodyPr>
           <a:lstStyle/>
           <a:p>
-            <a:pPr algn="ctr"/>
-            <a:r>
-              <a:rPr lang="en-US" sz="7200" b="1" dirty="0">
-                <a:solidFill>
-                  <a:srgbClr val="46B0FA"/>
-                </a:solidFill>
-                <a:latin typeface="Arial" panose="020B0604020202020204" pitchFamily="34" charset="0"/>
-                <a:cs typeface="Arial" panose="020B0604020202020204" pitchFamily="34" charset="0"/>
-              </a:rPr>
-              <a:t>Thank You</a:t>
-            </a:r>
-            <a:endParaRPr lang="en-IN" sz="7200" b="1" dirty="0">
-              <a:solidFill>
-                <a:srgbClr val="46B0FA"/>
-              </a:solidFill>
-              <a:latin typeface="Arial" panose="020B0604020202020204" pitchFamily="34" charset="0"/>
-              <a:cs typeface="Arial" panose="020B0604020202020204" pitchFamily="34" charset="0"/>
-            </a:endParaRPr>
-          </a:p>
-        </p:txBody>
-      </p:sp>
-      <p:sp>
-        <p:nvSpPr>
-          <p:cNvPr id="4" name="Rectangle 3">
-            <a:extLst>
-              <a:ext uri="{FF2B5EF4-FFF2-40B4-BE49-F238E27FC236}">
-                <a16:creationId xmlns:a16="http://schemas.microsoft.com/office/drawing/2014/main" id="{B7FBB1AB-6227-0A49-9677-D759BB97E908}"/>
-              </a:ext>
-            </a:extLst>
-          </p:cNvPr>
-          <p:cNvSpPr/>
-          <p:nvPr/>
-        </p:nvSpPr>
-        <p:spPr>
-          <a:xfrm>
-            <a:off x="10668000" y="150471"/>
-            <a:ext cx="1381246" cy="682906"/>
-          </a:xfrm>
-          <a:prstGeom prst="rect">
-            <a:avLst/>
-          </a:prstGeom>
-          <a:solidFill>
-            <a:schemeClr val="bg1"/>
-          </a:solidFill>
-          <a:ln>
-            <a:noFill/>
-          </a:ln>
-        </p:spPr>
-        <p:style>
-          <a:lnRef idx="2">
-            <a:schemeClr val="accent1">
-              <a:shade val="50000"/>
-            </a:schemeClr>
-          </a:lnRef>
-          <a:fillRef idx="1">
-            <a:schemeClr val="accent1"/>
-          </a:fillRef>
-          <a:effectRef idx="0">
-            <a:schemeClr val="accent1"/>
-          </a:effectRef>
-          <a:fontRef idx="minor">
-            <a:schemeClr val="lt1"/>
-          </a:fontRef>
-        </p:style>
-        <p:txBody>
-          <a:bodyPr rtlCol="0" anchor="ctr"/>
-          <a:lstStyle/>
-          <a:p>
-            <a:pPr algn="ctr"/>
-            <a:endParaRPr lang="en-US" dirty="0"/>
+            <a:r>
+              <a:rPr lang="en-US" sz="2400" b="1" dirty="0">
+                <a:latin typeface="Arial" panose="020B0604020202020204" pitchFamily="34" charset="0"/>
+                <a:cs typeface="Arial" panose="020B0604020202020204" pitchFamily="34" charset="0"/>
+              </a:rPr>
+              <a:t>VGG19:</a:t>
+            </a:r>
           </a:p>
         </p:txBody>
       </p:sp>
       <p:pic>
         <p:nvPicPr>
-          <p:cNvPr id="5" name="Picture 4" descr="A picture containing text, clipart&#10;&#10;Description automatically generated">
-            <a:extLst>
-              <a:ext uri="{FF2B5EF4-FFF2-40B4-BE49-F238E27FC236}">
-                <a16:creationId xmlns:a16="http://schemas.microsoft.com/office/drawing/2014/main" id="{B3B91EF5-66BF-4A12-80C1-98869846E0D6}"/>
+          <p:cNvPr id="4" name="Picture 3">
+            <a:extLst>
+              <a:ext uri="{FF2B5EF4-FFF2-40B4-BE49-F238E27FC236}">
+                <a16:creationId xmlns:a16="http://schemas.microsoft.com/office/drawing/2014/main" id="{DE757AF5-926E-A419-8CCE-661102CBA3B4}"/>
               </a:ext>
             </a:extLst>
           </p:cNvPr>
@@ -4764,8 +4307,8 @@
         </p:blipFill>
         <p:spPr>
           <a:xfrm>
-            <a:off x="3992880" y="1709987"/>
-            <a:ext cx="4206240" cy="1806854"/>
+            <a:off x="261256" y="719894"/>
+            <a:ext cx="10664890" cy="5642015"/>
           </a:xfrm>
           <a:prstGeom prst="rect">
             <a:avLst/>
@@ -4775,7 +4318,545 @@
     </p:spTree>
     <p:extLst>
       <p:ext uri="{BB962C8B-B14F-4D97-AF65-F5344CB8AC3E}">
-        <p14:creationId xmlns:p14="http://schemas.microsoft.com/office/powerpoint/2010/main" val="3579348268"/>
+        <p14:creationId xmlns:p14="http://schemas.microsoft.com/office/powerpoint/2010/main" val="3812752893"/>
+      </p:ext>
+    </p:extLst>
+  </p:cSld>
+  <p:clrMapOvr>
+    <a:masterClrMapping/>
+  </p:clrMapOvr>
+</p:sld>
+</file>
+
+<file path=ppt/slides/slide24.xml><?xml version="1.0" encoding="utf-8"?>
+<p:sld xmlns:a="http://schemas.openxmlformats.org/drawingml/2006/main" xmlns:r="http://schemas.openxmlformats.org/officeDocument/2006/relationships" xmlns:p="http://schemas.openxmlformats.org/presentationml/2006/main">
+  <p:cSld>
+    <p:spTree>
+      <p:nvGrpSpPr>
+        <p:cNvPr id="1" name=""/>
+        <p:cNvGrpSpPr/>
+        <p:nvPr/>
+      </p:nvGrpSpPr>
+      <p:grpSpPr>
+        <a:xfrm>
+          <a:off x="0" y="0"/>
+          <a:ext cx="0" cy="0"/>
+          <a:chOff x="0" y="0"/>
+          <a:chExt cx="0" cy="0"/>
+        </a:xfrm>
+      </p:grpSpPr>
+      <p:pic>
+        <p:nvPicPr>
+          <p:cNvPr id="5" name="Picture 4">
+            <a:extLst>
+              <a:ext uri="{FF2B5EF4-FFF2-40B4-BE49-F238E27FC236}">
+                <a16:creationId xmlns:a16="http://schemas.microsoft.com/office/drawing/2014/main" id="{E034ED93-444A-470E-424B-51DE1C8502E4}"/>
+              </a:ext>
+            </a:extLst>
+          </p:cNvPr>
+          <p:cNvPicPr>
+            <a:picLocks noChangeAspect="1"/>
+          </p:cNvPicPr>
+          <p:nvPr/>
+        </p:nvPicPr>
+        <p:blipFill>
+          <a:blip r:embed="rId2"/>
+          <a:stretch>
+            <a:fillRect/>
+          </a:stretch>
+        </p:blipFill>
+        <p:spPr>
+          <a:xfrm>
+            <a:off x="207459" y="634481"/>
+            <a:ext cx="11239598" cy="5947733"/>
+          </a:xfrm>
+          <a:prstGeom prst="rect">
+            <a:avLst/>
+          </a:prstGeom>
+        </p:spPr>
+      </p:pic>
+    </p:spTree>
+    <p:extLst>
+      <p:ext uri="{BB962C8B-B14F-4D97-AF65-F5344CB8AC3E}">
+        <p14:creationId xmlns:p14="http://schemas.microsoft.com/office/powerpoint/2010/main" val="309545579"/>
+      </p:ext>
+    </p:extLst>
+  </p:cSld>
+  <p:clrMapOvr>
+    <a:masterClrMapping/>
+  </p:clrMapOvr>
+</p:sld>
+</file>
+
+<file path=ppt/slides/slide25.xml><?xml version="1.0" encoding="utf-8"?>
+<p:sld xmlns:a="http://schemas.openxmlformats.org/drawingml/2006/main" xmlns:r="http://schemas.openxmlformats.org/officeDocument/2006/relationships" xmlns:p="http://schemas.openxmlformats.org/presentationml/2006/main">
+  <p:cSld>
+    <p:spTree>
+      <p:nvGrpSpPr>
+        <p:cNvPr id="1" name=""/>
+        <p:cNvGrpSpPr/>
+        <p:nvPr/>
+      </p:nvGrpSpPr>
+      <p:grpSpPr>
+        <a:xfrm>
+          <a:off x="0" y="0"/>
+          <a:ext cx="0" cy="0"/>
+          <a:chOff x="0" y="0"/>
+          <a:chExt cx="0" cy="0"/>
+        </a:xfrm>
+      </p:grpSpPr>
+      <p:pic>
+        <p:nvPicPr>
+          <p:cNvPr id="3" name="Picture 2">
+            <a:extLst>
+              <a:ext uri="{FF2B5EF4-FFF2-40B4-BE49-F238E27FC236}">
+                <a16:creationId xmlns:a16="http://schemas.microsoft.com/office/drawing/2014/main" id="{A9153414-EDC3-D11F-F01F-E87543C42AE9}"/>
+              </a:ext>
+            </a:extLst>
+          </p:cNvPr>
+          <p:cNvPicPr>
+            <a:picLocks noChangeAspect="1"/>
+          </p:cNvPicPr>
+          <p:nvPr/>
+        </p:nvPicPr>
+        <p:blipFill>
+          <a:blip r:embed="rId2"/>
+          <a:stretch>
+            <a:fillRect/>
+          </a:stretch>
+        </p:blipFill>
+        <p:spPr>
+          <a:xfrm>
+            <a:off x="285396" y="727509"/>
+            <a:ext cx="10734057" cy="2983099"/>
+          </a:xfrm>
+          <a:prstGeom prst="rect">
+            <a:avLst/>
+          </a:prstGeom>
+        </p:spPr>
+      </p:pic>
+      <p:pic>
+        <p:nvPicPr>
+          <p:cNvPr id="5" name="Picture 4">
+            <a:extLst>
+              <a:ext uri="{FF2B5EF4-FFF2-40B4-BE49-F238E27FC236}">
+                <a16:creationId xmlns:a16="http://schemas.microsoft.com/office/drawing/2014/main" id="{1DCC0E21-CDCA-8C94-D1B8-C25826F717C3}"/>
+              </a:ext>
+            </a:extLst>
+          </p:cNvPr>
+          <p:cNvPicPr>
+            <a:picLocks noChangeAspect="1"/>
+          </p:cNvPicPr>
+          <p:nvPr/>
+        </p:nvPicPr>
+        <p:blipFill rotWithShape="1">
+          <a:blip r:embed="rId3"/>
+          <a:srcRect r="5965"/>
+          <a:stretch/>
+        </p:blipFill>
+        <p:spPr>
+          <a:xfrm>
+            <a:off x="285396" y="4122729"/>
+            <a:ext cx="10734058" cy="925132"/>
+          </a:xfrm>
+          <a:prstGeom prst="rect">
+            <a:avLst/>
+          </a:prstGeom>
+        </p:spPr>
+      </p:pic>
+    </p:spTree>
+    <p:extLst>
+      <p:ext uri="{BB962C8B-B14F-4D97-AF65-F5344CB8AC3E}">
+        <p14:creationId xmlns:p14="http://schemas.microsoft.com/office/powerpoint/2010/main" val="3423665718"/>
+      </p:ext>
+    </p:extLst>
+  </p:cSld>
+  <p:clrMapOvr>
+    <a:masterClrMapping/>
+  </p:clrMapOvr>
+</p:sld>
+</file>
+
+<file path=ppt/slides/slide26.xml><?xml version="1.0" encoding="utf-8"?>
+<p:sld xmlns:a="http://schemas.openxmlformats.org/drawingml/2006/main" xmlns:r="http://schemas.openxmlformats.org/officeDocument/2006/relationships" xmlns:p="http://schemas.openxmlformats.org/presentationml/2006/main">
+  <p:cSld>
+    <p:spTree>
+      <p:nvGrpSpPr>
+        <p:cNvPr id="1" name=""/>
+        <p:cNvGrpSpPr/>
+        <p:nvPr/>
+      </p:nvGrpSpPr>
+      <p:grpSpPr>
+        <a:xfrm>
+          <a:off x="0" y="0"/>
+          <a:ext cx="0" cy="0"/>
+          <a:chOff x="0" y="0"/>
+          <a:chExt cx="0" cy="0"/>
+        </a:xfrm>
+      </p:grpSpPr>
+      <p:sp>
+        <p:nvSpPr>
+          <p:cNvPr id="3" name="TextBox 2">
+            <a:extLst>
+              <a:ext uri="{FF2B5EF4-FFF2-40B4-BE49-F238E27FC236}">
+                <a16:creationId xmlns:a16="http://schemas.microsoft.com/office/drawing/2014/main" id="{6A65E9C2-FF17-723D-45DB-5AB37AF48145}"/>
+              </a:ext>
+            </a:extLst>
+          </p:cNvPr>
+          <p:cNvSpPr txBox="1"/>
+          <p:nvPr/>
+        </p:nvSpPr>
+        <p:spPr>
+          <a:xfrm>
+            <a:off x="249594" y="221216"/>
+            <a:ext cx="6097554" cy="461665"/>
+          </a:xfrm>
+          <a:prstGeom prst="rect">
+            <a:avLst/>
+          </a:prstGeom>
+          <a:noFill/>
+        </p:spPr>
+        <p:txBody>
+          <a:bodyPr wrap="square">
+            <a:spAutoFit/>
+          </a:bodyPr>
+          <a:lstStyle/>
+          <a:p>
+            <a:r>
+              <a:rPr lang="en-US" sz="2400" b="1" dirty="0">
+                <a:latin typeface="Arial" panose="020B0604020202020204" pitchFamily="34" charset="0"/>
+                <a:cs typeface="Arial" panose="020B0604020202020204" pitchFamily="34" charset="0"/>
+              </a:rPr>
+              <a:t>Resnet50</a:t>
+            </a:r>
+            <a:r>
+              <a:rPr lang="en-US" sz="1800" b="1" dirty="0">
+                <a:latin typeface="Arial" panose="020B0604020202020204" pitchFamily="34" charset="0"/>
+                <a:cs typeface="Arial" panose="020B0604020202020204" pitchFamily="34" charset="0"/>
+              </a:rPr>
+              <a:t>:</a:t>
+            </a:r>
+          </a:p>
+        </p:txBody>
+      </p:sp>
+      <p:pic>
+        <p:nvPicPr>
+          <p:cNvPr id="7" name="Picture 6">
+            <a:extLst>
+              <a:ext uri="{FF2B5EF4-FFF2-40B4-BE49-F238E27FC236}">
+                <a16:creationId xmlns:a16="http://schemas.microsoft.com/office/drawing/2014/main" id="{8C74FA9E-71A2-A98B-E693-7489DAB08678}"/>
+              </a:ext>
+            </a:extLst>
+          </p:cNvPr>
+          <p:cNvPicPr>
+            <a:picLocks noChangeAspect="1"/>
+          </p:cNvPicPr>
+          <p:nvPr/>
+        </p:nvPicPr>
+        <p:blipFill>
+          <a:blip r:embed="rId2"/>
+          <a:stretch>
+            <a:fillRect/>
+          </a:stretch>
+        </p:blipFill>
+        <p:spPr>
+          <a:xfrm>
+            <a:off x="345232" y="682881"/>
+            <a:ext cx="10002417" cy="6007893"/>
+          </a:xfrm>
+          <a:prstGeom prst="rect">
+            <a:avLst/>
+          </a:prstGeom>
+        </p:spPr>
+      </p:pic>
+    </p:spTree>
+    <p:extLst>
+      <p:ext uri="{BB962C8B-B14F-4D97-AF65-F5344CB8AC3E}">
+        <p14:creationId xmlns:p14="http://schemas.microsoft.com/office/powerpoint/2010/main" val="4173928991"/>
+      </p:ext>
+    </p:extLst>
+  </p:cSld>
+  <p:clrMapOvr>
+    <a:masterClrMapping/>
+  </p:clrMapOvr>
+</p:sld>
+</file>
+
+<file path=ppt/slides/slide27.xml><?xml version="1.0" encoding="utf-8"?>
+<p:sld xmlns:a="http://schemas.openxmlformats.org/drawingml/2006/main" xmlns:r="http://schemas.openxmlformats.org/officeDocument/2006/relationships" xmlns:p="http://schemas.openxmlformats.org/presentationml/2006/main">
+  <p:cSld>
+    <p:spTree>
+      <p:nvGrpSpPr>
+        <p:cNvPr id="1" name=""/>
+        <p:cNvGrpSpPr/>
+        <p:nvPr/>
+      </p:nvGrpSpPr>
+      <p:grpSpPr>
+        <a:xfrm>
+          <a:off x="0" y="0"/>
+          <a:ext cx="0" cy="0"/>
+          <a:chOff x="0" y="0"/>
+          <a:chExt cx="0" cy="0"/>
+        </a:xfrm>
+      </p:grpSpPr>
+      <p:pic>
+        <p:nvPicPr>
+          <p:cNvPr id="5" name="Picture 4">
+            <a:extLst>
+              <a:ext uri="{FF2B5EF4-FFF2-40B4-BE49-F238E27FC236}">
+                <a16:creationId xmlns:a16="http://schemas.microsoft.com/office/drawing/2014/main" id="{31C54666-1854-5234-0E9F-376DFF9CDB8E}"/>
+              </a:ext>
+            </a:extLst>
+          </p:cNvPr>
+          <p:cNvPicPr>
+            <a:picLocks noChangeAspect="1"/>
+          </p:cNvPicPr>
+          <p:nvPr/>
+        </p:nvPicPr>
+        <p:blipFill rotWithShape="1">
+          <a:blip r:embed="rId2"/>
+          <a:srcRect r="9129"/>
+          <a:stretch/>
+        </p:blipFill>
+        <p:spPr>
+          <a:xfrm>
+            <a:off x="242593" y="6059514"/>
+            <a:ext cx="10506269" cy="706545"/>
+          </a:xfrm>
+          <a:prstGeom prst="rect">
+            <a:avLst/>
+          </a:prstGeom>
+        </p:spPr>
+      </p:pic>
+      <p:pic>
+        <p:nvPicPr>
+          <p:cNvPr id="3" name="Picture 2">
+            <a:extLst>
+              <a:ext uri="{FF2B5EF4-FFF2-40B4-BE49-F238E27FC236}">
+                <a16:creationId xmlns:a16="http://schemas.microsoft.com/office/drawing/2014/main" id="{660FECC4-1C7A-CA02-0EB6-02D5BB21EDB1}"/>
+              </a:ext>
+            </a:extLst>
+          </p:cNvPr>
+          <p:cNvPicPr>
+            <a:picLocks noChangeAspect="1"/>
+          </p:cNvPicPr>
+          <p:nvPr/>
+        </p:nvPicPr>
+        <p:blipFill>
+          <a:blip r:embed="rId3"/>
+          <a:stretch>
+            <a:fillRect/>
+          </a:stretch>
+        </p:blipFill>
+        <p:spPr>
+          <a:xfrm>
+            <a:off x="242593" y="177911"/>
+            <a:ext cx="10506270" cy="5769629"/>
+          </a:xfrm>
+          <a:prstGeom prst="rect">
+            <a:avLst/>
+          </a:prstGeom>
+        </p:spPr>
+      </p:pic>
+    </p:spTree>
+    <p:extLst>
+      <p:ext uri="{BB962C8B-B14F-4D97-AF65-F5344CB8AC3E}">
+        <p14:creationId xmlns:p14="http://schemas.microsoft.com/office/powerpoint/2010/main" val="2561004325"/>
+      </p:ext>
+    </p:extLst>
+  </p:cSld>
+  <p:clrMapOvr>
+    <a:masterClrMapping/>
+  </p:clrMapOvr>
+</p:sld>
+</file>
+
+<file path=ppt/slides/slide28.xml><?xml version="1.0" encoding="utf-8"?>
+<p:sld xmlns:a="http://schemas.openxmlformats.org/drawingml/2006/main" xmlns:r="http://schemas.openxmlformats.org/officeDocument/2006/relationships" xmlns:p="http://schemas.openxmlformats.org/presentationml/2006/main">
+  <p:cSld>
+    <p:spTree>
+      <p:nvGrpSpPr>
+        <p:cNvPr id="1" name=""/>
+        <p:cNvGrpSpPr/>
+        <p:nvPr/>
+      </p:nvGrpSpPr>
+      <p:grpSpPr>
+        <a:xfrm>
+          <a:off x="0" y="0"/>
+          <a:ext cx="0" cy="0"/>
+          <a:chOff x="0" y="0"/>
+          <a:chExt cx="0" cy="0"/>
+        </a:xfrm>
+      </p:grpSpPr>
+      <p:sp>
+        <p:nvSpPr>
+          <p:cNvPr id="2" name="TextBox 1">
+            <a:extLst>
+              <a:ext uri="{FF2B5EF4-FFF2-40B4-BE49-F238E27FC236}">
+                <a16:creationId xmlns:a16="http://schemas.microsoft.com/office/drawing/2014/main" id="{6C437925-C48A-1FBA-035D-3A2C492B6034}"/>
+              </a:ext>
+            </a:extLst>
+          </p:cNvPr>
+          <p:cNvSpPr txBox="1"/>
+          <p:nvPr/>
+        </p:nvSpPr>
+        <p:spPr>
+          <a:xfrm>
+            <a:off x="249594" y="221216"/>
+            <a:ext cx="6097554" cy="461665"/>
+          </a:xfrm>
+          <a:prstGeom prst="rect">
+            <a:avLst/>
+          </a:prstGeom>
+          <a:noFill/>
+        </p:spPr>
+        <p:txBody>
+          <a:bodyPr wrap="square">
+            <a:spAutoFit/>
+          </a:bodyPr>
+          <a:lstStyle/>
+          <a:p>
+            <a:r>
+              <a:rPr lang="en-US" sz="2400" b="1" dirty="0" err="1">
+                <a:latin typeface="Arial" panose="020B0604020202020204" pitchFamily="34" charset="0"/>
+                <a:cs typeface="Arial" panose="020B0604020202020204" pitchFamily="34" charset="0"/>
+              </a:rPr>
+              <a:t>AlexNet</a:t>
+            </a:r>
+            <a:r>
+              <a:rPr lang="en-US" sz="1800" b="1" dirty="0">
+                <a:latin typeface="Arial" panose="020B0604020202020204" pitchFamily="34" charset="0"/>
+                <a:cs typeface="Arial" panose="020B0604020202020204" pitchFamily="34" charset="0"/>
+              </a:rPr>
+              <a:t>:</a:t>
+            </a:r>
+          </a:p>
+        </p:txBody>
+      </p:sp>
+      <p:pic>
+        <p:nvPicPr>
+          <p:cNvPr id="4" name="Picture 3">
+            <a:extLst>
+              <a:ext uri="{FF2B5EF4-FFF2-40B4-BE49-F238E27FC236}">
+                <a16:creationId xmlns:a16="http://schemas.microsoft.com/office/drawing/2014/main" id="{40AC65CB-F931-0E98-9625-3E3D2AA4BCD6}"/>
+              </a:ext>
+            </a:extLst>
+          </p:cNvPr>
+          <p:cNvPicPr>
+            <a:picLocks noChangeAspect="1"/>
+          </p:cNvPicPr>
+          <p:nvPr/>
+        </p:nvPicPr>
+        <p:blipFill>
+          <a:blip r:embed="rId2"/>
+          <a:stretch>
+            <a:fillRect/>
+          </a:stretch>
+        </p:blipFill>
+        <p:spPr>
+          <a:xfrm>
+            <a:off x="249594" y="691393"/>
+            <a:ext cx="10412645" cy="5945391"/>
+          </a:xfrm>
+          <a:prstGeom prst="rect">
+            <a:avLst/>
+          </a:prstGeom>
+        </p:spPr>
+      </p:pic>
+    </p:spTree>
+    <p:extLst>
+      <p:ext uri="{BB962C8B-B14F-4D97-AF65-F5344CB8AC3E}">
+        <p14:creationId xmlns:p14="http://schemas.microsoft.com/office/powerpoint/2010/main" val="2287137079"/>
+      </p:ext>
+    </p:extLst>
+  </p:cSld>
+  <p:clrMapOvr>
+    <a:masterClrMapping/>
+  </p:clrMapOvr>
+</p:sld>
+</file>
+
+<file path=ppt/slides/slide29.xml><?xml version="1.0" encoding="utf-8"?>
+<p:sld xmlns:a="http://schemas.openxmlformats.org/drawingml/2006/main" xmlns:r="http://schemas.openxmlformats.org/officeDocument/2006/relationships" xmlns:p="http://schemas.openxmlformats.org/presentationml/2006/main">
+  <p:cSld>
+    <p:spTree>
+      <p:nvGrpSpPr>
+        <p:cNvPr id="1" name=""/>
+        <p:cNvGrpSpPr/>
+        <p:nvPr/>
+      </p:nvGrpSpPr>
+      <p:grpSpPr>
+        <a:xfrm>
+          <a:off x="0" y="0"/>
+          <a:ext cx="0" cy="0"/>
+          <a:chOff x="0" y="0"/>
+          <a:chExt cx="0" cy="0"/>
+        </a:xfrm>
+      </p:grpSpPr>
+      <p:pic>
+        <p:nvPicPr>
+          <p:cNvPr id="3" name="Picture 2">
+            <a:extLst>
+              <a:ext uri="{FF2B5EF4-FFF2-40B4-BE49-F238E27FC236}">
+                <a16:creationId xmlns:a16="http://schemas.microsoft.com/office/drawing/2014/main" id="{1BF3EA61-34A6-C1D7-D69C-40207E44C46C}"/>
+              </a:ext>
+            </a:extLst>
+          </p:cNvPr>
+          <p:cNvPicPr>
+            <a:picLocks noChangeAspect="1"/>
+          </p:cNvPicPr>
+          <p:nvPr/>
+        </p:nvPicPr>
+        <p:blipFill>
+          <a:blip r:embed="rId2"/>
+          <a:stretch>
+            <a:fillRect/>
+          </a:stretch>
+        </p:blipFill>
+        <p:spPr>
+          <a:xfrm>
+            <a:off x="369971" y="4589063"/>
+            <a:ext cx="10854217" cy="616388"/>
+          </a:xfrm>
+          <a:prstGeom prst="rect">
+            <a:avLst/>
+          </a:prstGeom>
+        </p:spPr>
+      </p:pic>
+      <p:pic>
+        <p:nvPicPr>
+          <p:cNvPr id="5" name="Picture 4">
+            <a:extLst>
+              <a:ext uri="{FF2B5EF4-FFF2-40B4-BE49-F238E27FC236}">
+                <a16:creationId xmlns:a16="http://schemas.microsoft.com/office/drawing/2014/main" id="{C114DE2F-F7CD-56DB-927C-DB18E1837E1D}"/>
+              </a:ext>
+            </a:extLst>
+          </p:cNvPr>
+          <p:cNvPicPr>
+            <a:picLocks noChangeAspect="1"/>
+          </p:cNvPicPr>
+          <p:nvPr/>
+        </p:nvPicPr>
+        <p:blipFill>
+          <a:blip r:embed="rId3"/>
+          <a:stretch>
+            <a:fillRect/>
+          </a:stretch>
+        </p:blipFill>
+        <p:spPr>
+          <a:xfrm>
+            <a:off x="369971" y="746926"/>
+            <a:ext cx="10854217" cy="3545158"/>
+          </a:xfrm>
+          <a:prstGeom prst="rect">
+            <a:avLst/>
+          </a:prstGeom>
+        </p:spPr>
+      </p:pic>
+    </p:spTree>
+    <p:extLst>
+      <p:ext uri="{BB962C8B-B14F-4D97-AF65-F5344CB8AC3E}">
+        <p14:creationId xmlns:p14="http://schemas.microsoft.com/office/powerpoint/2010/main" val="76551261"/>
       </p:ext>
     </p:extLst>
   </p:cSld>
@@ -5003,6 +5084,985 @@
     <p:extLst>
       <p:ext uri="{BB962C8B-B14F-4D97-AF65-F5344CB8AC3E}">
         <p14:creationId xmlns:p14="http://schemas.microsoft.com/office/powerpoint/2010/main" val="480493988"/>
+      </p:ext>
+    </p:extLst>
+  </p:cSld>
+  <p:clrMapOvr>
+    <a:masterClrMapping/>
+  </p:clrMapOvr>
+</p:sld>
+</file>
+
+<file path=ppt/slides/slide30.xml><?xml version="1.0" encoding="utf-8"?>
+<p:sld xmlns:a="http://schemas.openxmlformats.org/drawingml/2006/main" xmlns:r="http://schemas.openxmlformats.org/officeDocument/2006/relationships" xmlns:p="http://schemas.openxmlformats.org/presentationml/2006/main">
+  <p:cSld>
+    <p:spTree>
+      <p:nvGrpSpPr>
+        <p:cNvPr id="1" name=""/>
+        <p:cNvGrpSpPr/>
+        <p:nvPr/>
+      </p:nvGrpSpPr>
+      <p:grpSpPr>
+        <a:xfrm>
+          <a:off x="0" y="0"/>
+          <a:ext cx="0" cy="0"/>
+          <a:chOff x="0" y="0"/>
+          <a:chExt cx="0" cy="0"/>
+        </a:xfrm>
+      </p:grpSpPr>
+      <p:sp>
+        <p:nvSpPr>
+          <p:cNvPr id="3" name="TextBox 2">
+            <a:extLst>
+              <a:ext uri="{FF2B5EF4-FFF2-40B4-BE49-F238E27FC236}">
+                <a16:creationId xmlns:a16="http://schemas.microsoft.com/office/drawing/2014/main" id="{DF2AE4AB-FD20-6CA3-6C46-D14D540F5019}"/>
+              </a:ext>
+            </a:extLst>
+          </p:cNvPr>
+          <p:cNvSpPr txBox="1"/>
+          <p:nvPr/>
+        </p:nvSpPr>
+        <p:spPr>
+          <a:xfrm>
+            <a:off x="4168169" y="714550"/>
+            <a:ext cx="3855662" cy="461665"/>
+          </a:xfrm>
+          <a:prstGeom prst="rect">
+            <a:avLst/>
+          </a:prstGeom>
+          <a:noFill/>
+        </p:spPr>
+        <p:txBody>
+          <a:bodyPr wrap="square">
+            <a:spAutoFit/>
+          </a:bodyPr>
+          <a:lstStyle/>
+          <a:p>
+            <a:r>
+              <a:rPr lang="en-US" sz="2400" b="1" dirty="0">
+                <a:latin typeface="Arial" panose="020B0604020202020204" pitchFamily="34" charset="0"/>
+                <a:cs typeface="Arial" panose="020B0604020202020204" pitchFamily="34" charset="0"/>
+              </a:rPr>
+              <a:t>Comparative analysis</a:t>
+            </a:r>
+          </a:p>
+        </p:txBody>
+      </p:sp>
+      <p:sp>
+        <p:nvSpPr>
+          <p:cNvPr id="5" name="TextBox 4">
+            <a:extLst>
+              <a:ext uri="{FF2B5EF4-FFF2-40B4-BE49-F238E27FC236}">
+                <a16:creationId xmlns:a16="http://schemas.microsoft.com/office/drawing/2014/main" id="{7E9E4084-240C-DC61-FBD7-9DC1153D3152}"/>
+              </a:ext>
+            </a:extLst>
+          </p:cNvPr>
+          <p:cNvSpPr txBox="1"/>
+          <p:nvPr/>
+        </p:nvSpPr>
+        <p:spPr>
+          <a:xfrm>
+            <a:off x="165832" y="129775"/>
+            <a:ext cx="6093228" cy="584775"/>
+          </a:xfrm>
+          <a:prstGeom prst="rect">
+            <a:avLst/>
+          </a:prstGeom>
+          <a:noFill/>
+        </p:spPr>
+        <p:txBody>
+          <a:bodyPr wrap="square">
+            <a:spAutoFit/>
+          </a:bodyPr>
+          <a:lstStyle/>
+          <a:p>
+            <a:r>
+              <a:rPr lang="en-IN" sz="3200" b="1" dirty="0">
+                <a:solidFill>
+                  <a:srgbClr val="46B0FA"/>
+                </a:solidFill>
+                <a:latin typeface="Arial" panose="020B0604020202020204" pitchFamily="34" charset="0"/>
+                <a:cs typeface="Arial" panose="020B0604020202020204" pitchFamily="34" charset="0"/>
+              </a:rPr>
+              <a:t>Conclusion</a:t>
+            </a:r>
+          </a:p>
+        </p:txBody>
+      </p:sp>
+      <p:graphicFrame>
+        <p:nvGraphicFramePr>
+          <p:cNvPr id="2" name="Table 1">
+            <a:extLst>
+              <a:ext uri="{FF2B5EF4-FFF2-40B4-BE49-F238E27FC236}">
+                <a16:creationId xmlns:a16="http://schemas.microsoft.com/office/drawing/2014/main" id="{3CAD5864-355F-8881-9284-940F9B275392}"/>
+              </a:ext>
+            </a:extLst>
+          </p:cNvPr>
+          <p:cNvGraphicFramePr>
+            <a:graphicFrameLocks noGrp="1"/>
+          </p:cNvGraphicFramePr>
+          <p:nvPr>
+            <p:extLst>
+              <p:ext uri="{D42A27DB-BD31-4B8C-83A1-F6EECF244321}">
+                <p14:modId xmlns:p14="http://schemas.microsoft.com/office/powerpoint/2010/main" val="48938443"/>
+              </p:ext>
+            </p:extLst>
+          </p:nvPr>
+        </p:nvGraphicFramePr>
+        <p:xfrm>
+          <a:off x="643812" y="1550066"/>
+          <a:ext cx="11056776" cy="3757868"/>
+        </p:xfrm>
+        <a:graphic>
+          <a:graphicData uri="http://schemas.openxmlformats.org/drawingml/2006/table">
+            <a:tbl>
+              <a:tblPr firstRow="1" bandRow="1"/>
+              <a:tblGrid>
+                <a:gridCol w="2764194">
+                  <a:extLst>
+                    <a:ext uri="{9D8B030D-6E8A-4147-A177-3AD203B41FA5}">
+                      <a16:colId xmlns:a16="http://schemas.microsoft.com/office/drawing/2014/main" val="989128539"/>
+                    </a:ext>
+                  </a:extLst>
+                </a:gridCol>
+                <a:gridCol w="2764194">
+                  <a:extLst>
+                    <a:ext uri="{9D8B030D-6E8A-4147-A177-3AD203B41FA5}">
+                      <a16:colId xmlns:a16="http://schemas.microsoft.com/office/drawing/2014/main" val="778554597"/>
+                    </a:ext>
+                  </a:extLst>
+                </a:gridCol>
+                <a:gridCol w="2764194">
+                  <a:extLst>
+                    <a:ext uri="{9D8B030D-6E8A-4147-A177-3AD203B41FA5}">
+                      <a16:colId xmlns:a16="http://schemas.microsoft.com/office/drawing/2014/main" val="856406725"/>
+                    </a:ext>
+                  </a:extLst>
+                </a:gridCol>
+                <a:gridCol w="2764194">
+                  <a:extLst>
+                    <a:ext uri="{9D8B030D-6E8A-4147-A177-3AD203B41FA5}">
+                      <a16:colId xmlns:a16="http://schemas.microsoft.com/office/drawing/2014/main" val="2065831322"/>
+                    </a:ext>
+                  </a:extLst>
+                </a:gridCol>
+              </a:tblGrid>
+              <a:tr h="939467">
+                <a:tc>
+                  <a:txBody>
+                    <a:bodyPr/>
+                    <a:lstStyle/>
+                    <a:p>
+                      <a:r>
+                        <a:rPr lang="en-IN" dirty="0"/>
+                        <a:t>VGG16</a:t>
+                      </a:r>
+                    </a:p>
+                  </a:txBody>
+                  <a:tcPr/>
+                </a:tc>
+                <a:tc>
+                  <a:txBody>
+                    <a:bodyPr/>
+                    <a:lstStyle/>
+                    <a:p>
+                      <a:r>
+                        <a:rPr lang="en-IN" dirty="0"/>
+                        <a:t>VGG19</a:t>
+                      </a:r>
+                    </a:p>
+                  </a:txBody>
+                  <a:tcPr/>
+                </a:tc>
+                <a:tc>
+                  <a:txBody>
+                    <a:bodyPr/>
+                    <a:lstStyle/>
+                    <a:p>
+                      <a:r>
+                        <a:rPr lang="en-IN" dirty="0"/>
+                        <a:t>ResNet50</a:t>
+                      </a:r>
+                    </a:p>
+                  </a:txBody>
+                  <a:tcPr/>
+                </a:tc>
+                <a:tc>
+                  <a:txBody>
+                    <a:bodyPr/>
+                    <a:lstStyle/>
+                    <a:p>
+                      <a:r>
+                        <a:rPr lang="en-IN" dirty="0" err="1"/>
+                        <a:t>AlexNet</a:t>
+                      </a:r>
+                      <a:endParaRPr lang="en-IN" dirty="0"/>
+                    </a:p>
+                  </a:txBody>
+                  <a:tcPr/>
+                </a:tc>
+                <a:extLst>
+                  <a:ext uri="{0D108BD9-81ED-4DB2-BD59-A6C34878D82A}">
+                    <a16:rowId xmlns:a16="http://schemas.microsoft.com/office/drawing/2014/main" val="2428529227"/>
+                  </a:ext>
+                </a:extLst>
+              </a:tr>
+              <a:tr h="939467">
+                <a:tc>
+                  <a:txBody>
+                    <a:bodyPr/>
+                    <a:lstStyle/>
+                    <a:p>
+                      <a:endParaRPr lang="en-IN"/>
+                    </a:p>
+                  </a:txBody>
+                  <a:tcPr/>
+                </a:tc>
+                <a:tc>
+                  <a:txBody>
+                    <a:bodyPr/>
+                    <a:lstStyle/>
+                    <a:p>
+                      <a:endParaRPr lang="en-IN"/>
+                    </a:p>
+                  </a:txBody>
+                  <a:tcPr/>
+                </a:tc>
+                <a:tc>
+                  <a:txBody>
+                    <a:bodyPr/>
+                    <a:lstStyle/>
+                    <a:p>
+                      <a:endParaRPr lang="en-IN"/>
+                    </a:p>
+                  </a:txBody>
+                  <a:tcPr/>
+                </a:tc>
+                <a:tc>
+                  <a:txBody>
+                    <a:bodyPr/>
+                    <a:lstStyle/>
+                    <a:p>
+                      <a:endParaRPr lang="en-IN"/>
+                    </a:p>
+                  </a:txBody>
+                  <a:tcPr/>
+                </a:tc>
+                <a:extLst>
+                  <a:ext uri="{0D108BD9-81ED-4DB2-BD59-A6C34878D82A}">
+                    <a16:rowId xmlns:a16="http://schemas.microsoft.com/office/drawing/2014/main" val="2468681404"/>
+                  </a:ext>
+                </a:extLst>
+              </a:tr>
+              <a:tr h="939467">
+                <a:tc>
+                  <a:txBody>
+                    <a:bodyPr/>
+                    <a:lstStyle/>
+                    <a:p>
+                      <a:endParaRPr lang="en-IN"/>
+                    </a:p>
+                  </a:txBody>
+                  <a:tcPr/>
+                </a:tc>
+                <a:tc>
+                  <a:txBody>
+                    <a:bodyPr/>
+                    <a:lstStyle/>
+                    <a:p>
+                      <a:endParaRPr lang="en-IN"/>
+                    </a:p>
+                  </a:txBody>
+                  <a:tcPr/>
+                </a:tc>
+                <a:tc>
+                  <a:txBody>
+                    <a:bodyPr/>
+                    <a:lstStyle/>
+                    <a:p>
+                      <a:endParaRPr lang="en-IN"/>
+                    </a:p>
+                  </a:txBody>
+                  <a:tcPr/>
+                </a:tc>
+                <a:tc>
+                  <a:txBody>
+                    <a:bodyPr/>
+                    <a:lstStyle/>
+                    <a:p>
+                      <a:endParaRPr lang="en-IN"/>
+                    </a:p>
+                  </a:txBody>
+                  <a:tcPr/>
+                </a:tc>
+                <a:extLst>
+                  <a:ext uri="{0D108BD9-81ED-4DB2-BD59-A6C34878D82A}">
+                    <a16:rowId xmlns:a16="http://schemas.microsoft.com/office/drawing/2014/main" val="1083538411"/>
+                  </a:ext>
+                </a:extLst>
+              </a:tr>
+              <a:tr h="939467">
+                <a:tc>
+                  <a:txBody>
+                    <a:bodyPr/>
+                    <a:lstStyle/>
+                    <a:p>
+                      <a:endParaRPr lang="en-IN"/>
+                    </a:p>
+                  </a:txBody>
+                  <a:tcPr/>
+                </a:tc>
+                <a:tc>
+                  <a:txBody>
+                    <a:bodyPr/>
+                    <a:lstStyle/>
+                    <a:p>
+                      <a:endParaRPr lang="en-IN" dirty="0"/>
+                    </a:p>
+                  </a:txBody>
+                  <a:tcPr/>
+                </a:tc>
+                <a:tc>
+                  <a:txBody>
+                    <a:bodyPr/>
+                    <a:lstStyle/>
+                    <a:p>
+                      <a:endParaRPr lang="en-IN"/>
+                    </a:p>
+                  </a:txBody>
+                  <a:tcPr/>
+                </a:tc>
+                <a:tc>
+                  <a:txBody>
+                    <a:bodyPr/>
+                    <a:lstStyle/>
+                    <a:p>
+                      <a:endParaRPr lang="en-IN" dirty="0"/>
+                    </a:p>
+                  </a:txBody>
+                  <a:tcPr/>
+                </a:tc>
+                <a:extLst>
+                  <a:ext uri="{0D108BD9-81ED-4DB2-BD59-A6C34878D82A}">
+                    <a16:rowId xmlns:a16="http://schemas.microsoft.com/office/drawing/2014/main" val="2903838313"/>
+                  </a:ext>
+                </a:extLst>
+              </a:tr>
+            </a:tbl>
+          </a:graphicData>
+        </a:graphic>
+      </p:graphicFrame>
+    </p:spTree>
+    <p:extLst>
+      <p:ext uri="{BB962C8B-B14F-4D97-AF65-F5344CB8AC3E}">
+        <p14:creationId xmlns:p14="http://schemas.microsoft.com/office/powerpoint/2010/main" val="2612576980"/>
+      </p:ext>
+    </p:extLst>
+  </p:cSld>
+  <p:clrMapOvr>
+    <a:masterClrMapping/>
+  </p:clrMapOvr>
+</p:sld>
+</file>
+
+<file path=ppt/slides/slide31.xml><?xml version="1.0" encoding="utf-8"?>
+<p:sld xmlns:a="http://schemas.openxmlformats.org/drawingml/2006/main" xmlns:r="http://schemas.openxmlformats.org/officeDocument/2006/relationships" xmlns:p="http://schemas.openxmlformats.org/presentationml/2006/main">
+  <p:cSld>
+    <p:spTree>
+      <p:nvGrpSpPr>
+        <p:cNvPr id="1" name=""/>
+        <p:cNvGrpSpPr/>
+        <p:nvPr/>
+      </p:nvGrpSpPr>
+      <p:grpSpPr>
+        <a:xfrm>
+          <a:off x="0" y="0"/>
+          <a:ext cx="0" cy="0"/>
+          <a:chOff x="0" y="0"/>
+          <a:chExt cx="0" cy="0"/>
+        </a:xfrm>
+      </p:grpSpPr>
+      <p:sp>
+        <p:nvSpPr>
+          <p:cNvPr id="2" name="TextBox 1">
+            <a:extLst>
+              <a:ext uri="{FF2B5EF4-FFF2-40B4-BE49-F238E27FC236}">
+                <a16:creationId xmlns:a16="http://schemas.microsoft.com/office/drawing/2014/main" id="{B2EC635B-D8A3-4A72-8304-20FFBA5D21A3}"/>
+              </a:ext>
+            </a:extLst>
+          </p:cNvPr>
+          <p:cNvSpPr txBox="1"/>
+          <p:nvPr/>
+        </p:nvSpPr>
+        <p:spPr>
+          <a:xfrm>
+            <a:off x="325927" y="248626"/>
+            <a:ext cx="7530363" cy="584775"/>
+          </a:xfrm>
+          <a:prstGeom prst="rect">
+            <a:avLst/>
+          </a:prstGeom>
+          <a:noFill/>
+        </p:spPr>
+        <p:txBody>
+          <a:bodyPr wrap="square" rtlCol="0">
+            <a:spAutoFit/>
+          </a:bodyPr>
+          <a:lstStyle/>
+          <a:p>
+            <a:r>
+              <a:rPr lang="en-IN" sz="3200" b="1" dirty="0">
+                <a:solidFill>
+                  <a:srgbClr val="46B0FA"/>
+                </a:solidFill>
+                <a:latin typeface="Arial" panose="020B0604020202020204" pitchFamily="34" charset="0"/>
+                <a:cs typeface="Arial" panose="020B0604020202020204" pitchFamily="34" charset="0"/>
+              </a:rPr>
+              <a:t>Reference</a:t>
+            </a:r>
+          </a:p>
+        </p:txBody>
+      </p:sp>
+      <p:sp>
+        <p:nvSpPr>
+          <p:cNvPr id="3" name="TextBox 2">
+            <a:extLst>
+              <a:ext uri="{FF2B5EF4-FFF2-40B4-BE49-F238E27FC236}">
+                <a16:creationId xmlns:a16="http://schemas.microsoft.com/office/drawing/2014/main" id="{66168532-D141-4AB0-BD29-1663F2877B3E}"/>
+              </a:ext>
+            </a:extLst>
+          </p:cNvPr>
+          <p:cNvSpPr txBox="1"/>
+          <p:nvPr/>
+        </p:nvSpPr>
+        <p:spPr>
+          <a:xfrm>
+            <a:off x="325927" y="986093"/>
+            <a:ext cx="9901002" cy="1138773"/>
+          </a:xfrm>
+          <a:prstGeom prst="rect">
+            <a:avLst/>
+          </a:prstGeom>
+          <a:noFill/>
+        </p:spPr>
+        <p:txBody>
+          <a:bodyPr wrap="square" rtlCol="0">
+            <a:spAutoFit/>
+          </a:bodyPr>
+          <a:lstStyle/>
+          <a:p>
+            <a:r>
+              <a:rPr lang="en-US" sz="2400" dirty="0">
+                <a:solidFill>
+                  <a:srgbClr val="FF0000"/>
+                </a:solidFill>
+                <a:latin typeface="Arial" panose="020B0604020202020204" pitchFamily="34" charset="0"/>
+                <a:cs typeface="Arial" panose="020B0604020202020204" pitchFamily="34" charset="0"/>
+              </a:rPr>
+              <a:t>List of cited papers</a:t>
+            </a:r>
+          </a:p>
+          <a:p>
+            <a:endParaRPr lang="en-US" sz="2400" dirty="0">
+              <a:latin typeface="Arial" panose="020B0604020202020204" pitchFamily="34" charset="0"/>
+              <a:cs typeface="Arial" panose="020B0604020202020204" pitchFamily="34" charset="0"/>
+            </a:endParaRPr>
+          </a:p>
+          <a:p>
+            <a:endParaRPr lang="en-IN" sz="2000" dirty="0">
+              <a:latin typeface="Arial" panose="020B0604020202020204" pitchFamily="34" charset="0"/>
+              <a:cs typeface="Arial" panose="020B0604020202020204" pitchFamily="34" charset="0"/>
+            </a:endParaRPr>
+          </a:p>
+        </p:txBody>
+      </p:sp>
+      <p:sp>
+        <p:nvSpPr>
+          <p:cNvPr id="5" name="TextBox 4">
+            <a:extLst>
+              <a:ext uri="{FF2B5EF4-FFF2-40B4-BE49-F238E27FC236}">
+                <a16:creationId xmlns:a16="http://schemas.microsoft.com/office/drawing/2014/main" id="{29BBE328-515D-7FB3-4863-C98E9D182DCF}"/>
+              </a:ext>
+            </a:extLst>
+          </p:cNvPr>
+          <p:cNvSpPr txBox="1"/>
+          <p:nvPr/>
+        </p:nvSpPr>
+        <p:spPr>
+          <a:xfrm>
+            <a:off x="325927" y="1571955"/>
+            <a:ext cx="11305900" cy="4524315"/>
+          </a:xfrm>
+          <a:prstGeom prst="rect">
+            <a:avLst/>
+          </a:prstGeom>
+          <a:noFill/>
+        </p:spPr>
+        <p:txBody>
+          <a:bodyPr wrap="square">
+            <a:spAutoFit/>
+          </a:bodyPr>
+          <a:lstStyle/>
+          <a:p>
+            <a:pPr marL="0" marR="0" lvl="0" indent="0" algn="l" defTabSz="914400" rtl="0" eaLnBrk="1" fontAlgn="auto" latinLnBrk="0" hangingPunct="1">
+              <a:lnSpc>
+                <a:spcPct val="100000"/>
+              </a:lnSpc>
+              <a:spcBef>
+                <a:spcPts val="0"/>
+              </a:spcBef>
+              <a:spcAft>
+                <a:spcPts val="0"/>
+              </a:spcAft>
+              <a:buClrTx/>
+              <a:buSzTx/>
+              <a:buFontTx/>
+              <a:buNone/>
+              <a:tabLst/>
+              <a:defRPr/>
+            </a:pPr>
+            <a:r>
+              <a:rPr lang="en-US" dirty="0">
+                <a:latin typeface="Arial" panose="020B0604020202020204" pitchFamily="34" charset="0"/>
+                <a:cs typeface="Arial" panose="020B0604020202020204" pitchFamily="34" charset="0"/>
+                <a:hlinkClick r:id="rId2"/>
+              </a:rPr>
+              <a:t>[1]Aslam, S., &amp; Rabie, T. F. (2023, February). Principal Component Analysis in Image Classification: A review. In 2023 Advances in Science and Engineering Technology International Conferences (ASET) (pp. 1-7). </a:t>
+            </a:r>
+            <a:r>
+              <a:rPr lang="en-US">
+                <a:latin typeface="Arial" panose="020B0604020202020204" pitchFamily="34" charset="0"/>
+                <a:cs typeface="Arial" panose="020B0604020202020204" pitchFamily="34" charset="0"/>
+                <a:hlinkClick r:id="rId2"/>
+              </a:rPr>
+              <a:t>IEEE.</a:t>
+            </a:r>
+            <a:endParaRPr lang="en-US" dirty="0">
+              <a:latin typeface="Arial" panose="020B0604020202020204" pitchFamily="34" charset="0"/>
+              <a:cs typeface="Arial" panose="020B0604020202020204" pitchFamily="34" charset="0"/>
+            </a:endParaRPr>
+          </a:p>
+          <a:p>
+            <a:pPr marL="0" marR="0" lvl="0" indent="0" algn="l" defTabSz="914400" rtl="0" eaLnBrk="1" fontAlgn="auto" latinLnBrk="0" hangingPunct="1">
+              <a:lnSpc>
+                <a:spcPct val="100000"/>
+              </a:lnSpc>
+              <a:spcBef>
+                <a:spcPts val="0"/>
+              </a:spcBef>
+              <a:spcAft>
+                <a:spcPts val="0"/>
+              </a:spcAft>
+              <a:buClrTx/>
+              <a:buSzTx/>
+              <a:buFontTx/>
+              <a:buNone/>
+              <a:tabLst/>
+              <a:defRPr/>
+            </a:pPr>
+            <a:endParaRPr kumimoji="0" lang="en-US" b="0" i="0" u="none" strike="noStrike" kern="1200" cap="none" spc="0" normalizeH="0" baseline="0" noProof="0" dirty="0">
+              <a:ln>
+                <a:noFill/>
+              </a:ln>
+              <a:effectLst/>
+              <a:uLnTx/>
+              <a:uFillTx/>
+              <a:latin typeface="Arial" panose="020B0604020202020204" pitchFamily="34" charset="0"/>
+              <a:ea typeface="+mn-ea"/>
+              <a:cs typeface="Arial" panose="020B0604020202020204" pitchFamily="34" charset="0"/>
+            </a:endParaRPr>
+          </a:p>
+          <a:p>
+            <a:pPr>
+              <a:defRPr/>
+            </a:pPr>
+            <a:r>
+              <a:rPr lang="en-US" dirty="0">
+                <a:latin typeface="Arial" panose="020B0604020202020204" pitchFamily="34" charset="0"/>
+                <a:cs typeface="Arial" panose="020B0604020202020204" pitchFamily="34" charset="0"/>
+                <a:hlinkClick r:id="rId3"/>
+              </a:rPr>
+              <a:t>[2] Chitra, P., Srilatha, K., Sumathi, M., </a:t>
+            </a:r>
+            <a:r>
+              <a:rPr lang="en-US" dirty="0" err="1">
+                <a:latin typeface="Arial" panose="020B0604020202020204" pitchFamily="34" charset="0"/>
+                <a:cs typeface="Arial" panose="020B0604020202020204" pitchFamily="34" charset="0"/>
+                <a:hlinkClick r:id="rId3"/>
+              </a:rPr>
+              <a:t>Jayasudha</a:t>
+            </a:r>
+            <a:r>
+              <a:rPr lang="en-US" dirty="0">
+                <a:latin typeface="Arial" panose="020B0604020202020204" pitchFamily="34" charset="0"/>
+                <a:cs typeface="Arial" panose="020B0604020202020204" pitchFamily="34" charset="0"/>
+                <a:hlinkClick r:id="rId3"/>
+              </a:rPr>
+              <a:t>, F. V., </a:t>
+            </a:r>
+            <a:r>
+              <a:rPr lang="en-US" dirty="0" err="1">
+                <a:latin typeface="Arial" panose="020B0604020202020204" pitchFamily="34" charset="0"/>
+                <a:cs typeface="Arial" panose="020B0604020202020204" pitchFamily="34" charset="0"/>
+                <a:hlinkClick r:id="rId3"/>
+              </a:rPr>
+              <a:t>Bernatin</a:t>
+            </a:r>
+            <a:r>
+              <a:rPr lang="en-US" dirty="0">
+                <a:latin typeface="Arial" panose="020B0604020202020204" pitchFamily="34" charset="0"/>
+                <a:cs typeface="Arial" panose="020B0604020202020204" pitchFamily="34" charset="0"/>
+                <a:hlinkClick r:id="rId3"/>
+              </a:rPr>
+              <a:t>, T., &amp; Jagadeesh, M. (2023, March). Classification of Ultrasound PCOS Image using Deep Learning based Hybrid Models. In 2023 Second International Conference on Electronics and Renewable Systems (ICEARS) (pp. 1389-1394). IEEE.</a:t>
+            </a:r>
+            <a:endParaRPr kumimoji="0" lang="en-US" b="0" i="0" u="none" strike="noStrike" kern="1200" cap="none" spc="0" normalizeH="0" baseline="0" noProof="0" dirty="0">
+              <a:ln>
+                <a:noFill/>
+              </a:ln>
+              <a:effectLst/>
+              <a:uLnTx/>
+              <a:uFillTx/>
+              <a:latin typeface="Arial" panose="020B0604020202020204" pitchFamily="34" charset="0"/>
+              <a:ea typeface="+mn-ea"/>
+              <a:cs typeface="Arial" panose="020B0604020202020204" pitchFamily="34" charset="0"/>
+            </a:endParaRPr>
+          </a:p>
+          <a:p>
+            <a:pPr marL="0" marR="0" lvl="0" indent="0" algn="l" defTabSz="914400" rtl="0" eaLnBrk="1" fontAlgn="auto" latinLnBrk="0" hangingPunct="1">
+              <a:lnSpc>
+                <a:spcPct val="100000"/>
+              </a:lnSpc>
+              <a:spcBef>
+                <a:spcPts val="0"/>
+              </a:spcBef>
+              <a:spcAft>
+                <a:spcPts val="0"/>
+              </a:spcAft>
+              <a:buClrTx/>
+              <a:buSzTx/>
+              <a:buFontTx/>
+              <a:buNone/>
+              <a:tabLst/>
+              <a:defRPr/>
+            </a:pPr>
+            <a:endParaRPr kumimoji="0" lang="en-US" b="0" i="0" u="none" strike="noStrike" kern="1200" cap="none" spc="0" normalizeH="0" baseline="0" noProof="0" dirty="0">
+              <a:ln>
+                <a:noFill/>
+              </a:ln>
+              <a:effectLst/>
+              <a:uLnTx/>
+              <a:uFillTx/>
+              <a:latin typeface="Arial" panose="020B0604020202020204" pitchFamily="34" charset="0"/>
+              <a:ea typeface="+mn-ea"/>
+              <a:cs typeface="Arial" panose="020B0604020202020204" pitchFamily="34" charset="0"/>
+            </a:endParaRPr>
+          </a:p>
+          <a:p>
+            <a:pPr>
+              <a:defRPr/>
+            </a:pPr>
+            <a:r>
+              <a:rPr lang="en-US" dirty="0">
+                <a:latin typeface="Arial" panose="020B0604020202020204" pitchFamily="34" charset="0"/>
+                <a:cs typeface="Arial" panose="020B0604020202020204" pitchFamily="34" charset="0"/>
+                <a:hlinkClick r:id="rId4"/>
+              </a:rPr>
+              <a:t>[3] </a:t>
+            </a:r>
+            <a:r>
+              <a:rPr lang="en-US" dirty="0" err="1">
+                <a:latin typeface="Arial" panose="020B0604020202020204" pitchFamily="34" charset="0"/>
+                <a:cs typeface="Arial" panose="020B0604020202020204" pitchFamily="34" charset="0"/>
+                <a:hlinkClick r:id="rId4"/>
+              </a:rPr>
+              <a:t>Suha</a:t>
+            </a:r>
+            <a:r>
+              <a:rPr lang="en-US" dirty="0">
+                <a:latin typeface="Arial" panose="020B0604020202020204" pitchFamily="34" charset="0"/>
+                <a:cs typeface="Arial" panose="020B0604020202020204" pitchFamily="34" charset="0"/>
+                <a:hlinkClick r:id="rId4"/>
+              </a:rPr>
+              <a:t>, S. A., &amp; Islam, M. N. (2022). An extended machine learning technique for polycystic ovary syndrome detection using ovary ultrasound image. Scientific Reports, 12(1), 17123.</a:t>
+            </a:r>
+            <a:endParaRPr lang="en-US" dirty="0">
+              <a:latin typeface="Arial" panose="020B0604020202020204" pitchFamily="34" charset="0"/>
+              <a:cs typeface="Arial" panose="020B0604020202020204" pitchFamily="34" charset="0"/>
+            </a:endParaRPr>
+          </a:p>
+          <a:p>
+            <a:pPr>
+              <a:defRPr/>
+            </a:pPr>
+            <a:endParaRPr lang="en-US" dirty="0">
+              <a:latin typeface="Arial" panose="020B0604020202020204" pitchFamily="34" charset="0"/>
+              <a:cs typeface="Arial" panose="020B0604020202020204" pitchFamily="34" charset="0"/>
+              <a:hlinkClick r:id="rId5"/>
+            </a:endParaRPr>
+          </a:p>
+          <a:p>
+            <a:pPr>
+              <a:defRPr/>
+            </a:pPr>
+            <a:r>
+              <a:rPr lang="en-US" dirty="0">
+                <a:latin typeface="Arial" panose="020B0604020202020204" pitchFamily="34" charset="0"/>
+                <a:cs typeface="Arial" panose="020B0604020202020204" pitchFamily="34" charset="0"/>
+                <a:hlinkClick r:id="rId5"/>
+              </a:rPr>
+              <a:t>[4] Aggarwal, A., Mittal, M., &amp; </a:t>
+            </a:r>
+            <a:r>
+              <a:rPr lang="en-US" dirty="0" err="1">
+                <a:latin typeface="Arial" panose="020B0604020202020204" pitchFamily="34" charset="0"/>
+                <a:cs typeface="Arial" panose="020B0604020202020204" pitchFamily="34" charset="0"/>
+                <a:hlinkClick r:id="rId5"/>
+              </a:rPr>
+              <a:t>Battineni</a:t>
+            </a:r>
+            <a:r>
+              <a:rPr lang="en-US" dirty="0">
+                <a:latin typeface="Arial" panose="020B0604020202020204" pitchFamily="34" charset="0"/>
+                <a:cs typeface="Arial" panose="020B0604020202020204" pitchFamily="34" charset="0"/>
+                <a:hlinkClick r:id="rId5"/>
+              </a:rPr>
+              <a:t>, G. (2021). Generative adversarial network: An overview of theory and applications. International Journal of Information Management Data Insights, 1(1), 100004.</a:t>
+            </a:r>
+            <a:endParaRPr lang="en-US" dirty="0">
+              <a:latin typeface="Arial" panose="020B0604020202020204" pitchFamily="34" charset="0"/>
+              <a:cs typeface="Arial" panose="020B0604020202020204" pitchFamily="34" charset="0"/>
+            </a:endParaRPr>
+          </a:p>
+          <a:p>
+            <a:pPr>
+              <a:defRPr/>
+            </a:pPr>
+            <a:endParaRPr lang="en-US" dirty="0">
+              <a:latin typeface="Arial" panose="020B0604020202020204" pitchFamily="34" charset="0"/>
+              <a:cs typeface="Arial" panose="020B0604020202020204" pitchFamily="34" charset="0"/>
+            </a:endParaRPr>
+          </a:p>
+          <a:p>
+            <a:pPr>
+              <a:defRPr/>
+            </a:pPr>
+            <a:r>
+              <a:rPr lang="en-US" dirty="0">
+                <a:latin typeface="Arial" panose="020B0604020202020204" pitchFamily="34" charset="0"/>
+                <a:cs typeface="Arial" panose="020B0604020202020204" pitchFamily="34" charset="0"/>
+                <a:hlinkClick r:id="rId6"/>
+              </a:rPr>
+              <a:t>[5]</a:t>
+            </a:r>
+            <a:r>
+              <a:rPr lang="en-US" dirty="0">
+                <a:hlinkClick r:id="rId6"/>
+              </a:rPr>
+              <a:t> Sumathi, M., Chitra, P., Prabha, R. S., &amp; Srilatha, K. (2021, February). Study and detection of PCOS related diseases using CNN. In IOP Conference Series: Materials Science and Engineering (Vol. 1070, No. 1, p. 012062). IOP Publishing.</a:t>
+            </a:r>
+            <a:endParaRPr lang="en-US" dirty="0">
+              <a:latin typeface="Arial" panose="020B0604020202020204" pitchFamily="34" charset="0"/>
+              <a:cs typeface="Arial" panose="020B0604020202020204" pitchFamily="34" charset="0"/>
+            </a:endParaRPr>
+          </a:p>
+          <a:p>
+            <a:pPr marL="0" marR="0" lvl="0" indent="0" algn="l" defTabSz="914400" rtl="0" eaLnBrk="1" fontAlgn="auto" latinLnBrk="0" hangingPunct="1">
+              <a:lnSpc>
+                <a:spcPct val="100000"/>
+              </a:lnSpc>
+              <a:spcBef>
+                <a:spcPts val="0"/>
+              </a:spcBef>
+              <a:spcAft>
+                <a:spcPts val="0"/>
+              </a:spcAft>
+              <a:buClrTx/>
+              <a:buSzTx/>
+              <a:buFontTx/>
+              <a:buNone/>
+              <a:tabLst/>
+              <a:defRPr/>
+            </a:pPr>
+            <a:endParaRPr kumimoji="0" lang="en-US" b="0" i="0" u="none" strike="noStrike" kern="1200" cap="none" spc="0" normalizeH="0" baseline="0" noProof="0" dirty="0">
+              <a:ln>
+                <a:noFill/>
+              </a:ln>
+              <a:effectLst/>
+              <a:uLnTx/>
+              <a:uFillTx/>
+              <a:latin typeface="Arial" panose="020B0604020202020204" pitchFamily="34" charset="0"/>
+              <a:ea typeface="+mn-ea"/>
+              <a:cs typeface="Arial" panose="020B0604020202020204" pitchFamily="34" charset="0"/>
+            </a:endParaRPr>
+          </a:p>
+        </p:txBody>
+      </p:sp>
+    </p:spTree>
+    <p:extLst>
+      <p:ext uri="{BB962C8B-B14F-4D97-AF65-F5344CB8AC3E}">
+        <p14:creationId xmlns:p14="http://schemas.microsoft.com/office/powerpoint/2010/main" val="1359081233"/>
+      </p:ext>
+    </p:extLst>
+  </p:cSld>
+  <p:clrMapOvr>
+    <a:masterClrMapping/>
+  </p:clrMapOvr>
+</p:sld>
+</file>
+
+<file path=ppt/slides/slide32.xml><?xml version="1.0" encoding="utf-8"?>
+<p:sld xmlns:a="http://schemas.openxmlformats.org/drawingml/2006/main" xmlns:r="http://schemas.openxmlformats.org/officeDocument/2006/relationships" xmlns:p="http://schemas.openxmlformats.org/presentationml/2006/main">
+  <p:cSld>
+    <p:spTree>
+      <p:nvGrpSpPr>
+        <p:cNvPr id="1" name=""/>
+        <p:cNvGrpSpPr/>
+        <p:nvPr/>
+      </p:nvGrpSpPr>
+      <p:grpSpPr>
+        <a:xfrm>
+          <a:off x="0" y="0"/>
+          <a:ext cx="0" cy="0"/>
+          <a:chOff x="0" y="0"/>
+          <a:chExt cx="0" cy="0"/>
+        </a:xfrm>
+      </p:grpSpPr>
+      <p:sp>
+        <p:nvSpPr>
+          <p:cNvPr id="2" name="TextBox 1">
+            <a:extLst>
+              <a:ext uri="{FF2B5EF4-FFF2-40B4-BE49-F238E27FC236}">
+                <a16:creationId xmlns:a16="http://schemas.microsoft.com/office/drawing/2014/main" id="{C39D82EA-6098-704F-AD4D-D13A499C492D}"/>
+              </a:ext>
+            </a:extLst>
+          </p:cNvPr>
+          <p:cNvSpPr txBox="1"/>
+          <p:nvPr/>
+        </p:nvSpPr>
+        <p:spPr>
+          <a:xfrm>
+            <a:off x="1895294" y="3601496"/>
+            <a:ext cx="8401412" cy="1200329"/>
+          </a:xfrm>
+          <a:prstGeom prst="rect">
+            <a:avLst/>
+          </a:prstGeom>
+          <a:noFill/>
+        </p:spPr>
+        <p:txBody>
+          <a:bodyPr wrap="square" rtlCol="0">
+            <a:spAutoFit/>
+          </a:bodyPr>
+          <a:lstStyle/>
+          <a:p>
+            <a:pPr algn="ctr"/>
+            <a:r>
+              <a:rPr lang="en-US" sz="7200" b="1" dirty="0">
+                <a:solidFill>
+                  <a:srgbClr val="46B0FA"/>
+                </a:solidFill>
+                <a:latin typeface="Arial" panose="020B0604020202020204" pitchFamily="34" charset="0"/>
+                <a:cs typeface="Arial" panose="020B0604020202020204" pitchFamily="34" charset="0"/>
+              </a:rPr>
+              <a:t>Thank You</a:t>
+            </a:r>
+            <a:endParaRPr lang="en-IN" sz="7200" b="1" dirty="0">
+              <a:solidFill>
+                <a:srgbClr val="46B0FA"/>
+              </a:solidFill>
+              <a:latin typeface="Arial" panose="020B0604020202020204" pitchFamily="34" charset="0"/>
+              <a:cs typeface="Arial" panose="020B0604020202020204" pitchFamily="34" charset="0"/>
+            </a:endParaRPr>
+          </a:p>
+        </p:txBody>
+      </p:sp>
+      <p:sp>
+        <p:nvSpPr>
+          <p:cNvPr id="4" name="Rectangle 3">
+            <a:extLst>
+              <a:ext uri="{FF2B5EF4-FFF2-40B4-BE49-F238E27FC236}">
+                <a16:creationId xmlns:a16="http://schemas.microsoft.com/office/drawing/2014/main" id="{B7FBB1AB-6227-0A49-9677-D759BB97E908}"/>
+              </a:ext>
+            </a:extLst>
+          </p:cNvPr>
+          <p:cNvSpPr/>
+          <p:nvPr/>
+        </p:nvSpPr>
+        <p:spPr>
+          <a:xfrm>
+            <a:off x="10668000" y="150471"/>
+            <a:ext cx="1381246" cy="682906"/>
+          </a:xfrm>
+          <a:prstGeom prst="rect">
+            <a:avLst/>
+          </a:prstGeom>
+          <a:solidFill>
+            <a:schemeClr val="bg1"/>
+          </a:solidFill>
+          <a:ln>
+            <a:noFill/>
+          </a:ln>
+        </p:spPr>
+        <p:style>
+          <a:lnRef idx="2">
+            <a:schemeClr val="accent1">
+              <a:shade val="50000"/>
+            </a:schemeClr>
+          </a:lnRef>
+          <a:fillRef idx="1">
+            <a:schemeClr val="accent1"/>
+          </a:fillRef>
+          <a:effectRef idx="0">
+            <a:schemeClr val="accent1"/>
+          </a:effectRef>
+          <a:fontRef idx="minor">
+            <a:schemeClr val="lt1"/>
+          </a:fontRef>
+        </p:style>
+        <p:txBody>
+          <a:bodyPr rtlCol="0" anchor="ctr"/>
+          <a:lstStyle/>
+          <a:p>
+            <a:pPr algn="ctr"/>
+            <a:endParaRPr lang="en-US" dirty="0"/>
+          </a:p>
+        </p:txBody>
+      </p:sp>
+      <p:pic>
+        <p:nvPicPr>
+          <p:cNvPr id="5" name="Picture 4" descr="A picture containing text, clipart&#10;&#10;Description automatically generated">
+            <a:extLst>
+              <a:ext uri="{FF2B5EF4-FFF2-40B4-BE49-F238E27FC236}">
+                <a16:creationId xmlns:a16="http://schemas.microsoft.com/office/drawing/2014/main" id="{B3B91EF5-66BF-4A12-80C1-98869846E0D6}"/>
+              </a:ext>
+            </a:extLst>
+          </p:cNvPr>
+          <p:cNvPicPr>
+            <a:picLocks noChangeAspect="1"/>
+          </p:cNvPicPr>
+          <p:nvPr/>
+        </p:nvPicPr>
+        <p:blipFill>
+          <a:blip r:embed="rId2"/>
+          <a:stretch>
+            <a:fillRect/>
+          </a:stretch>
+        </p:blipFill>
+        <p:spPr>
+          <a:xfrm>
+            <a:off x="3992880" y="1709987"/>
+            <a:ext cx="4206240" cy="1806854"/>
+          </a:xfrm>
+          <a:prstGeom prst="rect">
+            <a:avLst/>
+          </a:prstGeom>
+        </p:spPr>
+      </p:pic>
+    </p:spTree>
+    <p:extLst>
+      <p:ext uri="{BB962C8B-B14F-4D97-AF65-F5344CB8AC3E}">
+        <p14:creationId xmlns:p14="http://schemas.microsoft.com/office/powerpoint/2010/main" val="3579348268"/>
       </p:ext>
     </p:extLst>
   </p:cSld>

--- a/documentation/Presentation.pptx
+++ b/documentation/Presentation.pptx
@@ -5204,35 +5204,35 @@
           <p:nvPr>
             <p:extLst>
               <p:ext uri="{D42A27DB-BD31-4B8C-83A1-F6EECF244321}">
-                <p14:modId xmlns:p14="http://schemas.microsoft.com/office/powerpoint/2010/main" val="48938443"/>
+                <p14:modId xmlns:p14="http://schemas.microsoft.com/office/powerpoint/2010/main" val="3110171564"/>
               </p:ext>
             </p:extLst>
           </p:nvPr>
         </p:nvGraphicFramePr>
         <p:xfrm>
           <a:off x="643812" y="1550066"/>
-          <a:ext cx="11056776" cy="3757868"/>
+          <a:ext cx="11056776" cy="4697335"/>
         </p:xfrm>
         <a:graphic>
           <a:graphicData uri="http://schemas.openxmlformats.org/drawingml/2006/table">
             <a:tbl>
               <a:tblPr firstRow="1" bandRow="1"/>
               <a:tblGrid>
-                <a:gridCol w="2764194">
+                <a:gridCol w="1642188">
                   <a:extLst>
                     <a:ext uri="{9D8B030D-6E8A-4147-A177-3AD203B41FA5}">
                       <a16:colId xmlns:a16="http://schemas.microsoft.com/office/drawing/2014/main" val="989128539"/>
                     </a:ext>
                   </a:extLst>
                 </a:gridCol>
-                <a:gridCol w="2764194">
+                <a:gridCol w="3265714">
                   <a:extLst>
                     <a:ext uri="{9D8B030D-6E8A-4147-A177-3AD203B41FA5}">
                       <a16:colId xmlns:a16="http://schemas.microsoft.com/office/drawing/2014/main" val="778554597"/>
                     </a:ext>
                   </a:extLst>
                 </a:gridCol>
-                <a:gridCol w="2764194">
+                <a:gridCol w="3384680">
                   <a:extLst>
                     <a:ext uri="{9D8B030D-6E8A-4147-A177-3AD203B41FA5}">
                       <a16:colId xmlns:a16="http://schemas.microsoft.com/office/drawing/2014/main" val="856406725"/>
@@ -5253,53 +5253,137 @@
                     <a:bodyPr/>
                     <a:lstStyle/>
                     <a:p>
+                      <a:pPr algn="ctr"/>
                       <a:r>
-                        <a:rPr lang="en-IN" dirty="0"/>
-                        <a:t>VGG16</a:t>
+                        <a:rPr lang="en-IN" b="1" dirty="0"/>
+                        <a:t>Models</a:t>
                       </a:r>
                     </a:p>
                   </a:txBody>
-                  <a:tcPr/>
+                  <a:tcPr anchor="ctr"/>
                 </a:tc>
                 <a:tc>
                   <a:txBody>
                     <a:bodyPr/>
                     <a:lstStyle/>
                     <a:p>
+                      <a:pPr marL="0" marR="0" lvl="0" indent="0" algn="ctr" defTabSz="914400" rtl="0" eaLnBrk="1" fontAlgn="auto" latinLnBrk="0" hangingPunct="1">
+                        <a:lnSpc>
+                          <a:spcPct val="100000"/>
+                        </a:lnSpc>
+                        <a:spcBef>
+                          <a:spcPts val="0"/>
+                        </a:spcBef>
+                        <a:spcAft>
+                          <a:spcPts val="0"/>
+                        </a:spcAft>
+                        <a:buClrTx/>
+                        <a:buSzTx/>
+                        <a:buFontTx/>
+                        <a:buNone/>
+                        <a:tabLst/>
+                        <a:defRPr/>
+                      </a:pPr>
                       <a:r>
-                        <a:rPr lang="en-IN" dirty="0"/>
-                        <a:t>VGG19</a:t>
+                        <a:rPr lang="en-IN" b="1" dirty="0"/>
+                        <a:t>Architecture</a:t>
                       </a:r>
                     </a:p>
                   </a:txBody>
-                  <a:tcPr/>
+                  <a:tcPr anchor="ctr"/>
                 </a:tc>
                 <a:tc>
                   <a:txBody>
                     <a:bodyPr/>
                     <a:lstStyle/>
                     <a:p>
+                      <a:pPr algn="ctr"/>
                       <a:r>
-                        <a:rPr lang="en-IN" dirty="0"/>
-                        <a:t>ResNet50</a:t>
+                        <a:rPr lang="en-IN" b="1" dirty="0"/>
+                        <a:t>Computational Complexity</a:t>
                       </a:r>
                     </a:p>
                   </a:txBody>
-                  <a:tcPr/>
+                  <a:tcPr anchor="ctr"/>
                 </a:tc>
                 <a:tc>
                   <a:txBody>
                     <a:bodyPr/>
                     <a:lstStyle/>
                     <a:p>
+                      <a:pPr algn="ctr"/>
                       <a:r>
-                        <a:rPr lang="en-IN" dirty="0" err="1"/>
-                        <a:t>AlexNet</a:t>
+                        <a:rPr lang="en-IN" b="1" dirty="0"/>
+                        <a:t>Accuracy</a:t>
+                      </a:r>
+                    </a:p>
+                  </a:txBody>
+                  <a:tcPr anchor="ctr"/>
+                </a:tc>
+                <a:extLst>
+                  <a:ext uri="{0D108BD9-81ED-4DB2-BD59-A6C34878D82A}">
+                    <a16:rowId xmlns:a16="http://schemas.microsoft.com/office/drawing/2014/main" val="3835425717"/>
+                  </a:ext>
+                </a:extLst>
+              </a:tr>
+              <a:tr h="939467">
+                <a:tc>
+                  <a:txBody>
+                    <a:bodyPr/>
+                    <a:lstStyle/>
+                    <a:p>
+                      <a:pPr algn="ctr"/>
+                      <a:r>
+                        <a:rPr lang="en-IN" b="1" dirty="0"/>
+                        <a:t>VGG16</a:t>
+                      </a:r>
+                    </a:p>
+                  </a:txBody>
+                  <a:tcPr anchor="ctr"/>
+                </a:tc>
+                <a:tc>
+                  <a:txBody>
+                    <a:bodyPr/>
+                    <a:lstStyle/>
+                    <a:p>
+                      <a:pPr algn="ctr"/>
+                      <a:r>
+                        <a:rPr lang="en-US" dirty="0"/>
+                        <a:t>16 layers (13 Convolutional + 3 Fully Connected)</a:t>
                       </a:r>
                       <a:endParaRPr lang="en-IN" dirty="0"/>
                     </a:p>
                   </a:txBody>
-                  <a:tcPr/>
+                  <a:tcPr anchor="ctr"/>
+                </a:tc>
+                <a:tc>
+                  <a:txBody>
+                    <a:bodyPr/>
+                    <a:lstStyle/>
+                    <a:p>
+                      <a:pPr algn="ctr"/>
+                      <a:r>
+                        <a:rPr lang="en-US" dirty="0"/>
+                        <a:t>High computational cost due to depth and parameters</a:t>
+                      </a:r>
+                      <a:endParaRPr lang="en-IN" dirty="0"/>
+                    </a:p>
+                  </a:txBody>
+                  <a:tcPr anchor="ctr"/>
+                </a:tc>
+                <a:tc>
+                  <a:txBody>
+                    <a:bodyPr/>
+                    <a:lstStyle/>
+                    <a:p>
+                      <a:pPr algn="ctr"/>
+                      <a:r>
+                        <a:rPr lang="en-IN" dirty="0"/>
+                        <a:t>69.56%</a:t>
+                      </a:r>
+                    </a:p>
+                  </a:txBody>
+                  <a:tcPr anchor="ctr"/>
                 </a:tc>
                 <a:extLst>
                   <a:ext uri="{0D108BD9-81ED-4DB2-BD59-A6C34878D82A}">
@@ -5313,40 +5397,73 @@
                     <a:bodyPr/>
                     <a:lstStyle/>
                     <a:p>
-                      <a:endParaRPr lang="en-IN"/>
+                      <a:pPr marL="0" marR="0" lvl="0" indent="0" algn="ctr" defTabSz="914400" rtl="0" eaLnBrk="1" fontAlgn="auto" latinLnBrk="0" hangingPunct="1">
+                        <a:lnSpc>
+                          <a:spcPct val="100000"/>
+                        </a:lnSpc>
+                        <a:spcBef>
+                          <a:spcPts val="0"/>
+                        </a:spcBef>
+                        <a:spcAft>
+                          <a:spcPts val="0"/>
+                        </a:spcAft>
+                        <a:buClrTx/>
+                        <a:buSzTx/>
+                        <a:buFontTx/>
+                        <a:buNone/>
+                        <a:tabLst/>
+                        <a:defRPr/>
+                      </a:pPr>
+                      <a:r>
+                        <a:rPr lang="en-IN" b="1" dirty="0"/>
+                        <a:t>VGG19</a:t>
+                      </a:r>
                     </a:p>
                   </a:txBody>
-                  <a:tcPr/>
+                  <a:tcPr anchor="ctr"/>
                 </a:tc>
                 <a:tc>
                   <a:txBody>
                     <a:bodyPr/>
                     <a:lstStyle/>
                     <a:p>
-                      <a:endParaRPr lang="en-IN"/>
+                      <a:pPr algn="ctr"/>
+                      <a:r>
+                        <a:rPr lang="en-US" dirty="0"/>
+                        <a:t>19 layers (16 Convolutional + 3 Fully Connected)</a:t>
+                      </a:r>
+                      <a:endParaRPr lang="en-IN" dirty="0"/>
                     </a:p>
                   </a:txBody>
-                  <a:tcPr/>
+                  <a:tcPr anchor="ctr"/>
                 </a:tc>
                 <a:tc>
                   <a:txBody>
                     <a:bodyPr/>
                     <a:lstStyle/>
                     <a:p>
-                      <a:endParaRPr lang="en-IN"/>
+                      <a:pPr algn="ctr"/>
+                      <a:r>
+                        <a:rPr lang="en-IN" dirty="0"/>
+                        <a:t>Similar to VGG16</a:t>
+                      </a:r>
                     </a:p>
                   </a:txBody>
-                  <a:tcPr/>
+                  <a:tcPr anchor="ctr"/>
                 </a:tc>
                 <a:tc>
                   <a:txBody>
                     <a:bodyPr/>
                     <a:lstStyle/>
                     <a:p>
-                      <a:endParaRPr lang="en-IN"/>
+                      <a:pPr algn="ctr"/>
+                      <a:r>
+                        <a:rPr lang="en-IN" dirty="0"/>
+                        <a:t>87.48%</a:t>
+                      </a:r>
                     </a:p>
                   </a:txBody>
-                  <a:tcPr/>
+                  <a:tcPr anchor="ctr"/>
                 </a:tc>
                 <a:extLst>
                   <a:ext uri="{0D108BD9-81ED-4DB2-BD59-A6C34878D82A}">
@@ -5360,40 +5477,74 @@
                     <a:bodyPr/>
                     <a:lstStyle/>
                     <a:p>
-                      <a:endParaRPr lang="en-IN"/>
+                      <a:pPr marL="0" marR="0" lvl="0" indent="0" algn="ctr" defTabSz="914400" rtl="0" eaLnBrk="1" fontAlgn="auto" latinLnBrk="0" hangingPunct="1">
+                        <a:lnSpc>
+                          <a:spcPct val="100000"/>
+                        </a:lnSpc>
+                        <a:spcBef>
+                          <a:spcPts val="0"/>
+                        </a:spcBef>
+                        <a:spcAft>
+                          <a:spcPts val="0"/>
+                        </a:spcAft>
+                        <a:buClrTx/>
+                        <a:buSzTx/>
+                        <a:buFontTx/>
+                        <a:buNone/>
+                        <a:tabLst/>
+                        <a:defRPr/>
+                      </a:pPr>
+                      <a:r>
+                        <a:rPr lang="en-IN" b="1" dirty="0"/>
+                        <a:t>ResNet50</a:t>
+                      </a:r>
                     </a:p>
                   </a:txBody>
-                  <a:tcPr/>
+                  <a:tcPr anchor="ctr"/>
                 </a:tc>
                 <a:tc>
                   <a:txBody>
                     <a:bodyPr/>
                     <a:lstStyle/>
                     <a:p>
-                      <a:endParaRPr lang="en-IN"/>
+                      <a:pPr algn="ctr"/>
+                      <a:r>
+                        <a:rPr lang="en-US" dirty="0"/>
+                        <a:t>50 layers with residual connections (Residual Blocks)</a:t>
+                      </a:r>
+                      <a:endParaRPr lang="en-IN" dirty="0"/>
                     </a:p>
                   </a:txBody>
-                  <a:tcPr/>
+                  <a:tcPr anchor="ctr"/>
                 </a:tc>
                 <a:tc>
                   <a:txBody>
                     <a:bodyPr/>
                     <a:lstStyle/>
                     <a:p>
-                      <a:endParaRPr lang="en-IN"/>
+                      <a:pPr algn="ctr"/>
+                      <a:r>
+                        <a:rPr lang="en-US" dirty="0"/>
+                        <a:t>More computationally efficient than VGG models</a:t>
+                      </a:r>
+                      <a:endParaRPr lang="en-IN" dirty="0"/>
                     </a:p>
                   </a:txBody>
-                  <a:tcPr/>
+                  <a:tcPr anchor="ctr"/>
                 </a:tc>
                 <a:tc>
                   <a:txBody>
                     <a:bodyPr/>
                     <a:lstStyle/>
                     <a:p>
-                      <a:endParaRPr lang="en-IN"/>
+                      <a:pPr algn="ctr"/>
+                      <a:r>
+                        <a:rPr lang="en-IN" dirty="0"/>
+                        <a:t>97.43%</a:t>
+                      </a:r>
                     </a:p>
                   </a:txBody>
-                  <a:tcPr/>
+                  <a:tcPr anchor="ctr"/>
                 </a:tc>
                 <a:extLst>
                   <a:ext uri="{0D108BD9-81ED-4DB2-BD59-A6C34878D82A}">
@@ -5407,40 +5558,79 @@
                     <a:bodyPr/>
                     <a:lstStyle/>
                     <a:p>
-                      <a:endParaRPr lang="en-IN"/>
+                      <a:pPr marL="0" marR="0" lvl="0" indent="0" algn="ctr" defTabSz="914400" rtl="0" eaLnBrk="1" fontAlgn="auto" latinLnBrk="0" hangingPunct="1">
+                        <a:lnSpc>
+                          <a:spcPct val="100000"/>
+                        </a:lnSpc>
+                        <a:spcBef>
+                          <a:spcPts val="0"/>
+                        </a:spcBef>
+                        <a:spcAft>
+                          <a:spcPts val="0"/>
+                        </a:spcAft>
+                        <a:buClrTx/>
+                        <a:buSzTx/>
+                        <a:buFontTx/>
+                        <a:buNone/>
+                        <a:tabLst/>
+                        <a:defRPr/>
+                      </a:pPr>
+                      <a:r>
+                        <a:rPr lang="en-IN" b="1" dirty="0" err="1"/>
+                        <a:t>AlexNet</a:t>
+                      </a:r>
+                      <a:endParaRPr lang="en-IN" b="1" dirty="0"/>
                     </a:p>
                   </a:txBody>
-                  <a:tcPr/>
+                  <a:tcPr anchor="ctr"/>
                 </a:tc>
                 <a:tc>
                   <a:txBody>
                     <a:bodyPr/>
                     <a:lstStyle/>
                     <a:p>
+                      <a:pPr algn="ctr"/>
+                      <a:r>
+                        <a:rPr lang="en-US" dirty="0"/>
+                        <a:t>8 layers (5 Convolutional + 3 Fully Connected)</a:t>
+                      </a:r>
                       <a:endParaRPr lang="en-IN" dirty="0"/>
                     </a:p>
                   </a:txBody>
-                  <a:tcPr/>
+                  <a:tcPr anchor="ctr"/>
                 </a:tc>
                 <a:tc>
                   <a:txBody>
                     <a:bodyPr/>
                     <a:lstStyle/>
                     <a:p>
-                      <a:endParaRPr lang="en-IN"/>
+                      <a:pPr algn="ctr"/>
+                      <a:r>
+                        <a:rPr lang="en-US" dirty="0"/>
+                        <a:t>Less computationally complex compared to VGG and </a:t>
+                      </a:r>
+                      <a:r>
+                        <a:rPr lang="en-US" dirty="0" err="1"/>
+                        <a:t>ResNet</a:t>
+                      </a:r>
+                      <a:endParaRPr lang="en-IN" dirty="0"/>
                     </a:p>
                   </a:txBody>
-                  <a:tcPr/>
+                  <a:tcPr anchor="ctr"/>
                 </a:tc>
                 <a:tc>
                   <a:txBody>
                     <a:bodyPr/>
                     <a:lstStyle/>
                     <a:p>
-                      <a:endParaRPr lang="en-IN" dirty="0"/>
+                      <a:pPr algn="ctr"/>
+                      <a:r>
+                        <a:rPr lang="en-IN" dirty="0"/>
+                        <a:t>98.33%</a:t>
+                      </a:r>
                     </a:p>
                   </a:txBody>
-                  <a:tcPr/>
+                  <a:tcPr anchor="ctr"/>
                 </a:tc>
                 <a:extLst>
                   <a:ext uri="{0D108BD9-81ED-4DB2-BD59-A6C34878D82A}">

--- a/documentation/Presentation.pptx
+++ b/documentation/Presentation.pptx
@@ -251,7 +251,7 @@
           <a:p>
             <a:fld id="{73E9D15D-1C13-CC45-BE09-4D54E9A973B4}" type="datetimeFigureOut">
               <a:rPr lang="en-US" smtClean="0"/>
-              <a:t>4/25/2024</a:t>
+              <a:t>4/26/2024</a:t>
             </a:fld>
             <a:endParaRPr lang="en-US" dirty="0"/>
           </a:p>
@@ -681,7 +681,7 @@
           <a:p>
             <a:fld id="{FD3D9895-3AFC-9E49-BB6B-D5AF81433D95}" type="datetimeFigureOut">
               <a:rPr lang="en-US" smtClean="0"/>
-              <a:t>4/25/2024</a:t>
+              <a:t>4/26/2024</a:t>
             </a:fld>
             <a:endParaRPr lang="en-US" dirty="0"/>
           </a:p>
@@ -842,7 +842,7 @@
           <a:p>
             <a:fld id="{1703F520-AAB7-4D20-958E-A456239933B0}" type="datetimeFigureOut">
               <a:rPr lang="en-US" smtClean="0"/>
-              <a:t>4/25/2024</a:t>
+              <a:t>4/26/2024</a:t>
             </a:fld>
             <a:endParaRPr lang="en-US" dirty="0"/>
           </a:p>
@@ -4601,10 +4601,40 @@
       </p:grpSpPr>
       <p:pic>
         <p:nvPicPr>
-          <p:cNvPr id="5" name="Picture 4">
+          <p:cNvPr id="3" name="Picture 2">
             <a:extLst>
               <a:ext uri="{FF2B5EF4-FFF2-40B4-BE49-F238E27FC236}">
-                <a16:creationId xmlns:a16="http://schemas.microsoft.com/office/drawing/2014/main" id="{31C54666-1854-5234-0E9F-376DFF9CDB8E}"/>
+                <a16:creationId xmlns:a16="http://schemas.microsoft.com/office/drawing/2014/main" id="{660FECC4-1C7A-CA02-0EB6-02D5BB21EDB1}"/>
+              </a:ext>
+            </a:extLst>
+          </p:cNvPr>
+          <p:cNvPicPr>
+            <a:picLocks noChangeAspect="1"/>
+          </p:cNvPicPr>
+          <p:nvPr/>
+        </p:nvPicPr>
+        <p:blipFill>
+          <a:blip r:embed="rId2"/>
+          <a:stretch>
+            <a:fillRect/>
+          </a:stretch>
+        </p:blipFill>
+        <p:spPr>
+          <a:xfrm>
+            <a:off x="242593" y="177911"/>
+            <a:ext cx="10506270" cy="5769629"/>
+          </a:xfrm>
+          <a:prstGeom prst="rect">
+            <a:avLst/>
+          </a:prstGeom>
+        </p:spPr>
+      </p:pic>
+      <p:pic>
+        <p:nvPicPr>
+          <p:cNvPr id="2" name="Picture 1">
+            <a:extLst>
+              <a:ext uri="{FF2B5EF4-FFF2-40B4-BE49-F238E27FC236}">
+                <a16:creationId xmlns:a16="http://schemas.microsoft.com/office/drawing/2014/main" id="{1BF3EA61-34A6-C1D7-D69C-40207E44C46C}"/>
               </a:ext>
             </a:extLst>
           </p:cNvPr>
@@ -4614,44 +4644,14 @@
           <p:nvPr/>
         </p:nvPicPr>
         <p:blipFill rotWithShape="1">
-          <a:blip r:embed="rId2"/>
-          <a:srcRect r="9129"/>
+          <a:blip r:embed="rId3"/>
+          <a:srcRect r="3206"/>
           <a:stretch/>
         </p:blipFill>
         <p:spPr>
           <a:xfrm>
-            <a:off x="242593" y="6059514"/>
-            <a:ext cx="10506269" cy="706545"/>
-          </a:xfrm>
-          <a:prstGeom prst="rect">
-            <a:avLst/>
-          </a:prstGeom>
-        </p:spPr>
-      </p:pic>
-      <p:pic>
-        <p:nvPicPr>
-          <p:cNvPr id="3" name="Picture 2">
-            <a:extLst>
-              <a:ext uri="{FF2B5EF4-FFF2-40B4-BE49-F238E27FC236}">
-                <a16:creationId xmlns:a16="http://schemas.microsoft.com/office/drawing/2014/main" id="{660FECC4-1C7A-CA02-0EB6-02D5BB21EDB1}"/>
-              </a:ext>
-            </a:extLst>
-          </p:cNvPr>
-          <p:cNvPicPr>
-            <a:picLocks noChangeAspect="1"/>
-          </p:cNvPicPr>
-          <p:nvPr/>
-        </p:nvPicPr>
-        <p:blipFill>
-          <a:blip r:embed="rId3"/>
-          <a:stretch>
-            <a:fillRect/>
-          </a:stretch>
-        </p:blipFill>
-        <p:spPr>
-          <a:xfrm>
-            <a:off x="242593" y="177911"/>
-            <a:ext cx="10506270" cy="5769629"/>
+            <a:off x="242594" y="6063701"/>
+            <a:ext cx="10506270" cy="616388"/>
           </a:xfrm>
           <a:prstGeom prst="rect">
             <a:avLst/>
@@ -4795,10 +4795,10 @@
       </p:grpSpPr>
       <p:pic>
         <p:nvPicPr>
-          <p:cNvPr id="3" name="Picture 2">
+          <p:cNvPr id="5" name="Picture 4">
             <a:extLst>
               <a:ext uri="{FF2B5EF4-FFF2-40B4-BE49-F238E27FC236}">
-                <a16:creationId xmlns:a16="http://schemas.microsoft.com/office/drawing/2014/main" id="{1BF3EA61-34A6-C1D7-D69C-40207E44C46C}"/>
+                <a16:creationId xmlns:a16="http://schemas.microsoft.com/office/drawing/2014/main" id="{C114DE2F-F7CD-56DB-927C-DB18E1837E1D}"/>
               </a:ext>
             </a:extLst>
           </p:cNvPr>
@@ -4815,8 +4815,8 @@
         </p:blipFill>
         <p:spPr>
           <a:xfrm>
-            <a:off x="369971" y="4589063"/>
-            <a:ext cx="10854217" cy="616388"/>
+            <a:off x="369971" y="746926"/>
+            <a:ext cx="10854217" cy="3545158"/>
           </a:xfrm>
           <a:prstGeom prst="rect">
             <a:avLst/>
@@ -4825,10 +4825,10 @@
       </p:pic>
       <p:pic>
         <p:nvPicPr>
-          <p:cNvPr id="5" name="Picture 4">
+          <p:cNvPr id="2" name="Picture 1">
             <a:extLst>
               <a:ext uri="{FF2B5EF4-FFF2-40B4-BE49-F238E27FC236}">
-                <a16:creationId xmlns:a16="http://schemas.microsoft.com/office/drawing/2014/main" id="{C114DE2F-F7CD-56DB-927C-DB18E1837E1D}"/>
+                <a16:creationId xmlns:a16="http://schemas.microsoft.com/office/drawing/2014/main" id="{31C54666-1854-5234-0E9F-376DFF9CDB8E}"/>
               </a:ext>
             </a:extLst>
           </p:cNvPr>
@@ -4837,16 +4837,15 @@
           </p:cNvPicPr>
           <p:nvPr/>
         </p:nvPicPr>
-        <p:blipFill>
+        <p:blipFill rotWithShape="1">
           <a:blip r:embed="rId3"/>
-          <a:stretch>
-            <a:fillRect/>
-          </a:stretch>
+          <a:srcRect r="9129"/>
+          <a:stretch/>
         </p:blipFill>
         <p:spPr>
           <a:xfrm>
-            <a:off x="369971" y="746926"/>
-            <a:ext cx="10854217" cy="3545158"/>
+            <a:off x="369971" y="4930510"/>
+            <a:ext cx="10854217" cy="706545"/>
           </a:xfrm>
           <a:prstGeom prst="rect">
             <a:avLst/>
@@ -5204,7 +5203,7 @@
           <p:nvPr>
             <p:extLst>
               <p:ext uri="{D42A27DB-BD31-4B8C-83A1-F6EECF244321}">
-                <p14:modId xmlns:p14="http://schemas.microsoft.com/office/powerpoint/2010/main" val="3110171564"/>
+                <p14:modId xmlns:p14="http://schemas.microsoft.com/office/powerpoint/2010/main" val="22280461"/>
               </p:ext>
             </p:extLst>
           </p:nvPr>
@@ -5445,7 +5444,7 @@
                       <a:pPr algn="ctr"/>
                       <a:r>
                         <a:rPr lang="en-IN" dirty="0"/>
-                        <a:t>Similar to VGG16</a:t>
+                        <a:t>Slightly complex than VGG16</a:t>
                       </a:r>
                     </a:p>
                   </a:txBody>
@@ -5537,10 +5536,26 @@
                     <a:bodyPr/>
                     <a:lstStyle/>
                     <a:p>
-                      <a:pPr algn="ctr"/>
+                      <a:pPr marL="0" marR="0" lvl="0" indent="0" algn="ctr" defTabSz="914400" rtl="0" eaLnBrk="1" fontAlgn="auto" latinLnBrk="0" hangingPunct="1">
+                        <a:lnSpc>
+                          <a:spcPct val="100000"/>
+                        </a:lnSpc>
+                        <a:spcBef>
+                          <a:spcPts val="0"/>
+                        </a:spcBef>
+                        <a:spcAft>
+                          <a:spcPts val="0"/>
+                        </a:spcAft>
+                        <a:buClrTx/>
+                        <a:buSzTx/>
+                        <a:buFontTx/>
+                        <a:buNone/>
+                        <a:tabLst/>
+                        <a:defRPr/>
+                      </a:pPr>
                       <a:r>
                         <a:rPr lang="en-IN" dirty="0"/>
-                        <a:t>97.43%</a:t>
+                        <a:t>98.33%</a:t>
                       </a:r>
                     </a:p>
                   </a:txBody>
@@ -5626,7 +5641,7 @@
                       <a:pPr algn="ctr"/>
                       <a:r>
                         <a:rPr lang="en-IN" dirty="0"/>
-                        <a:t>98.33%</a:t>
+                        <a:t>97.43%</a:t>
                       </a:r>
                     </a:p>
                   </a:txBody>
